--- a/spring12/slidesS12/slides2f.pptx
+++ b/spring12/slidesS12/slides2f.pptx
@@ -4802,22 +4802,7 @@
                 <a:uFillTx/>
                 <a:latin typeface="Comic Sans MS" pitchFamily="66" charset="0"/>
               </a:rPr>
-              <a:t>Albert R Meyer,        </a:t>
-            </a:r>
-            <a:r>
-              <a:rPr kumimoji="0" lang="en-US" sz="1200" b="0" i="0" u="none" strike="noStrike" kern="1200" cap="none" spc="0" normalizeH="0" baseline="0" noProof="0" dirty="0" smtClean="0">
-                <a:ln>
-                  <a:noFill/>
-                </a:ln>
-                <a:solidFill>
-                  <a:schemeClr val="tx1"/>
-                </a:solidFill>
-                <a:effectLst/>
-                <a:uLnTx/>
-                <a:uFillTx/>
-                <a:latin typeface="Comic Sans MS" pitchFamily="66" charset="0"/>
-              </a:rPr>
-              <a:t>February 17, 2012</a:t>
+              <a:t>Albert R Meyer,        February 17, 2012</a:t>
             </a:r>
             <a:endParaRPr kumimoji="0" lang="en-US" sz="1200" b="0" i="0" u="none" strike="noStrike" kern="1200" cap="none" spc="0" normalizeH="0" baseline="0" noProof="0" dirty="0">
               <a:ln>
@@ -5807,7 +5792,7 @@
           <a:graphicData uri="http://schemas.openxmlformats.org/presentationml/2006/ole">
             <mc:AlternateContent xmlns:mc="http://schemas.openxmlformats.org/markup-compatibility/2006">
               <mc:Choice xmlns:v="urn:schemas-microsoft-com:vml" Requires="v">
-                <p:oleObj spid="_x0000_s527382" name="Equation" r:id="rId4" imgW="1765080" imgH="457200" progId="Equation.DSMT4">
+                <p:oleObj spid="_x0000_s527386" name="Equation" r:id="rId4" imgW="1765080" imgH="457200" progId="Equation.DSMT4">
                   <p:embed/>
                 </p:oleObj>
               </mc:Choice>
@@ -7592,7 +7577,7 @@
           <a:graphicData uri="http://schemas.openxmlformats.org/presentationml/2006/ole">
             <mc:AlternateContent xmlns:mc="http://schemas.openxmlformats.org/markup-compatibility/2006">
               <mc:Choice xmlns:v="urn:schemas-microsoft-com:vml" Requires="v">
-                <p:oleObj spid="_x0000_s479255" name="Equation" r:id="rId4" imgW="164880" imgH="164880" progId="Equation.DSMT4">
+                <p:oleObj spid="_x0000_s479259" name="Equation" r:id="rId4" imgW="164880" imgH="164880" progId="Equation.DSMT4">
                   <p:embed/>
                 </p:oleObj>
               </mc:Choice>
@@ -10712,7 +10697,7 @@
           <a:graphicData uri="http://schemas.openxmlformats.org/presentationml/2006/ole">
             <mc:AlternateContent xmlns:mc="http://schemas.openxmlformats.org/markup-compatibility/2006">
               <mc:Choice xmlns:v="urn:schemas-microsoft-com:vml" Requires="v">
-                <p:oleObj spid="_x0000_s292929" name="Equation" r:id="rId4" imgW="2298600" imgH="228600" progId="Equation.DSMT4">
+                <p:oleObj spid="_x0000_s292942" name="Equation" r:id="rId4" imgW="2298600" imgH="228600" progId="Equation.DSMT4">
                   <p:embed/>
                 </p:oleObj>
               </mc:Choice>
@@ -10932,7 +10917,7 @@
           <a:graphicData uri="http://schemas.openxmlformats.org/presentationml/2006/ole">
             <mc:AlternateContent xmlns:mc="http://schemas.openxmlformats.org/markup-compatibility/2006">
               <mc:Choice xmlns:v="urn:schemas-microsoft-com:vml" Requires="v">
-                <p:oleObj spid="_x0000_s292930" name="Equation" r:id="rId6" imgW="914400" imgH="198720" progId="Equation.DSMT4">
+                <p:oleObj spid="_x0000_s292943" name="Equation" r:id="rId6" imgW="914400" imgH="198720" progId="Equation.DSMT4">
                   <p:embed/>
                 </p:oleObj>
               </mc:Choice>
@@ -11093,7 +11078,7 @@
           <a:graphicData uri="http://schemas.openxmlformats.org/presentationml/2006/ole">
             <mc:AlternateContent xmlns:mc="http://schemas.openxmlformats.org/markup-compatibility/2006">
               <mc:Choice xmlns:v="urn:schemas-microsoft-com:vml" Requires="v">
-                <p:oleObj spid="_x0000_s292931" name="Equation" r:id="rId8" imgW="406400" imgH="444500" progId="Equation.DSMT4">
+                <p:oleObj spid="_x0000_s292944" name="Equation" r:id="rId8" imgW="406400" imgH="444500" progId="Equation.DSMT4">
                   <p:embed/>
                 </p:oleObj>
               </mc:Choice>
@@ -11150,7 +11135,7 @@
           <a:graphicData uri="http://schemas.openxmlformats.org/presentationml/2006/ole">
             <mc:AlternateContent xmlns:mc="http://schemas.openxmlformats.org/markup-compatibility/2006">
               <mc:Choice xmlns:v="urn:schemas-microsoft-com:vml" Requires="v">
-                <p:oleObj spid="_x0000_s292932" name="Equation" r:id="rId10" imgW="279400" imgH="444500" progId="Equation.DSMT4">
+                <p:oleObj spid="_x0000_s292945" name="Equation" r:id="rId10" imgW="279400" imgH="444500" progId="Equation.DSMT4">
                   <p:embed/>
                 </p:oleObj>
               </mc:Choice>
@@ -11630,7 +11615,7 @@
           <a:graphicData uri="http://schemas.openxmlformats.org/presentationml/2006/ole">
             <mc:AlternateContent xmlns:mc="http://schemas.openxmlformats.org/markup-compatibility/2006">
               <mc:Choice xmlns:v="urn:schemas-microsoft-com:vml" Requires="v">
-                <p:oleObj spid="_x0000_s407594" name="Equation" r:id="rId4" imgW="914400" imgH="198720" progId="Equation.DSMT4">
+                <p:oleObj spid="_x0000_s407601" name="Equation" r:id="rId4" imgW="914400" imgH="198720" progId="Equation.DSMT4">
                   <p:embed/>
                 </p:oleObj>
               </mc:Choice>
@@ -11749,7 +11734,7 @@
           <a:graphicData uri="http://schemas.openxmlformats.org/presentationml/2006/ole">
             <mc:AlternateContent xmlns:mc="http://schemas.openxmlformats.org/markup-compatibility/2006">
               <mc:Choice xmlns:v="urn:schemas-microsoft-com:vml" Requires="v">
-                <p:oleObj spid="_x0000_s407595" name="Equation" r:id="rId6" imgW="2247840" imgH="228600" progId="Equation.DSMT4">
+                <p:oleObj spid="_x0000_s407602" name="Equation" r:id="rId6" imgW="2247840" imgH="228600" progId="Equation.DSMT4">
                   <p:embed/>
                 </p:oleObj>
               </mc:Choice>
@@ -12013,7 +11998,7 @@
           <a:graphicData uri="http://schemas.openxmlformats.org/presentationml/2006/ole">
             <mc:AlternateContent xmlns:mc="http://schemas.openxmlformats.org/markup-compatibility/2006">
               <mc:Choice xmlns:v="urn:schemas-microsoft-com:vml" Requires="v">
-                <p:oleObj spid="_x0000_s294946" name="Equation" r:id="rId4" imgW="2387600" imgH="228600" progId="Equation.DSMT4">
+                <p:oleObj spid="_x0000_s294950" name="Equation" r:id="rId4" imgW="2387600" imgH="228600" progId="Equation.DSMT4">
                   <p:embed/>
                 </p:oleObj>
               </mc:Choice>
@@ -12110,9 +12095,6 @@
               </a:rPr>
               <a:t>Summer, </a:t>
             </a:r>
-            <a:endParaRPr lang="en-US" sz="4800" dirty="0" smtClean="0">
-              <a:latin typeface="Comic Sans MS" pitchFamily="66" charset="0"/>
-            </a:endParaRPr>
           </a:p>
           <a:p>
             <a:r>
@@ -13009,7 +12991,7 @@
           <a:graphicData uri="http://schemas.openxmlformats.org/presentationml/2006/ole">
             <mc:AlternateContent xmlns:mc="http://schemas.openxmlformats.org/markup-compatibility/2006">
               <mc:Choice xmlns:v="urn:schemas-microsoft-com:vml" Requires="v">
-                <p:oleObj spid="_x0000_s564228" name="Equation" r:id="rId4" imgW="2387600" imgH="228600" progId="Equation.DSMT4">
+                <p:oleObj spid="_x0000_s564238" name="Equation" r:id="rId4" imgW="2387600" imgH="228600" progId="Equation.DSMT4">
                   <p:embed/>
                 </p:oleObj>
               </mc:Choice>
@@ -13093,7 +13075,7 @@
             <a:graphicData uri="http://schemas.openxmlformats.org/presentationml/2006/ole">
               <mc:AlternateContent xmlns:mc="http://schemas.openxmlformats.org/markup-compatibility/2006">
                 <mc:Choice xmlns:v="urn:schemas-microsoft-com:vml" Requires="v">
-                  <p:oleObj spid="_x0000_s564229" name="Equation" r:id="rId6" imgW="812800" imgH="393700" progId="Equation.DSMT4">
+                  <p:oleObj spid="_x0000_s564239" name="Equation" r:id="rId6" imgW="812800" imgH="393700" progId="Equation.DSMT4">
                     <p:embed/>
                   </p:oleObj>
                 </mc:Choice>
@@ -13163,7 +13145,7 @@
             <a:graphicData uri="http://schemas.openxmlformats.org/presentationml/2006/ole">
               <mc:AlternateContent xmlns:mc="http://schemas.openxmlformats.org/markup-compatibility/2006">
                 <mc:Choice xmlns:v="urn:schemas-microsoft-com:vml" Requires="v">
-                  <p:oleObj spid="_x0000_s564230" name="Equation" r:id="rId8" imgW="812800" imgH="393700" progId="Equation.DSMT4">
+                  <p:oleObj spid="_x0000_s564240" name="Equation" r:id="rId8" imgW="812800" imgH="393700" progId="Equation.DSMT4">
                     <p:embed/>
                   </p:oleObj>
                 </mc:Choice>
@@ -13548,7 +13530,7 @@
           <a:graphicData uri="http://schemas.openxmlformats.org/presentationml/2006/ole">
             <mc:AlternateContent xmlns:mc="http://schemas.openxmlformats.org/markup-compatibility/2006">
               <mc:Choice xmlns:v="urn:schemas-microsoft-com:vml" Requires="v">
-                <p:oleObj spid="_x0000_s565252" name="Equation" r:id="rId4" imgW="2413000" imgH="228600" progId="Equation.DSMT4">
+                <p:oleObj spid="_x0000_s565262" name="Equation" r:id="rId4" imgW="2413000" imgH="228600" progId="Equation.DSMT4">
                   <p:embed/>
                 </p:oleObj>
               </mc:Choice>
@@ -13632,7 +13614,7 @@
             <a:graphicData uri="http://schemas.openxmlformats.org/presentationml/2006/ole">
               <mc:AlternateContent xmlns:mc="http://schemas.openxmlformats.org/markup-compatibility/2006">
                 <mc:Choice xmlns:v="urn:schemas-microsoft-com:vml" Requires="v">
-                  <p:oleObj spid="_x0000_s565253" name="Equation" r:id="rId6" imgW="812800" imgH="393700" progId="Equation.DSMT4">
+                  <p:oleObj spid="_x0000_s565263" name="Equation" r:id="rId6" imgW="812800" imgH="393700" progId="Equation.DSMT4">
                     <p:embed/>
                   </p:oleObj>
                 </mc:Choice>
@@ -13702,7 +13684,7 @@
             <a:graphicData uri="http://schemas.openxmlformats.org/presentationml/2006/ole">
               <mc:AlternateContent xmlns:mc="http://schemas.openxmlformats.org/markup-compatibility/2006">
                 <mc:Choice xmlns:v="urn:schemas-microsoft-com:vml" Requires="v">
-                  <p:oleObj spid="_x0000_s565254" name="Equation" r:id="rId8" imgW="812800" imgH="393700" progId="Equation.DSMT4">
+                  <p:oleObj spid="_x0000_s565264" name="Equation" r:id="rId8" imgW="812800" imgH="393700" progId="Equation.DSMT4">
                     <p:embed/>
                   </p:oleObj>
                 </mc:Choice>
@@ -14087,7 +14069,7 @@
           <a:graphicData uri="http://schemas.openxmlformats.org/presentationml/2006/ole">
             <mc:AlternateContent xmlns:mc="http://schemas.openxmlformats.org/markup-compatibility/2006">
               <mc:Choice xmlns:v="urn:schemas-microsoft-com:vml" Requires="v">
-                <p:oleObj spid="_x0000_s566274" name="Equation" r:id="rId4" imgW="2413000" imgH="228600" progId="Equation.DSMT4">
+                <p:oleObj spid="_x0000_s566278" name="Equation" r:id="rId4" imgW="2413000" imgH="228600" progId="Equation.DSMT4">
                   <p:embed/>
                 </p:oleObj>
               </mc:Choice>
@@ -14204,13 +14186,7 @@
               <a:rPr lang="en-US" sz="4000" dirty="0" smtClean="0">
                 <a:latin typeface="Comic Sans MS" pitchFamily="66" charset="0"/>
               </a:rPr>
-              <a:t>watching,    Fall      is </a:t>
-            </a:r>
-            <a:r>
-              <a:rPr lang="en-US" sz="4000" dirty="0" smtClean="0">
-                <a:latin typeface="Comic Sans MS" pitchFamily="66" charset="0"/>
-              </a:rPr>
-              <a:t>good</a:t>
+              <a:t>watching,    Fall      is good</a:t>
             </a:r>
             <a:endParaRPr lang="en-US" sz="4000" dirty="0">
               <a:latin typeface="Comic Sans MS" pitchFamily="66" charset="0"/>
@@ -14481,7 +14457,7 @@
           <a:graphicData uri="http://schemas.openxmlformats.org/presentationml/2006/ole">
             <mc:AlternateContent xmlns:mc="http://schemas.openxmlformats.org/markup-compatibility/2006">
               <mc:Choice xmlns:v="urn:schemas-microsoft-com:vml" Requires="v">
-                <p:oleObj spid="_x0000_s298021" name="Equation" r:id="rId4" imgW="914400" imgH="198720" progId="Equation.DSMT4">
+                <p:oleObj spid="_x0000_s298028" name="Equation" r:id="rId4" imgW="914400" imgH="198720" progId="Equation.DSMT4">
                   <p:embed/>
                 </p:oleObj>
               </mc:Choice>
@@ -14557,7 +14533,7 @@
           <a:graphicData uri="http://schemas.openxmlformats.org/presentationml/2006/ole">
             <mc:AlternateContent xmlns:mc="http://schemas.openxmlformats.org/markup-compatibility/2006">
               <mc:Choice xmlns:v="urn:schemas-microsoft-com:vml" Requires="v">
-                <p:oleObj spid="_x0000_s298022" name="Equation" r:id="rId6" imgW="2146300" imgH="215900" progId="Equation.DSMT4">
+                <p:oleObj spid="_x0000_s298029" name="Equation" r:id="rId6" imgW="2146300" imgH="215900" progId="Equation.DSMT4">
                   <p:embed/>
                 </p:oleObj>
               </mc:Choice>
@@ -14688,7 +14664,7 @@
           <a:graphicData uri="http://schemas.openxmlformats.org/presentationml/2006/ole">
             <mc:AlternateContent xmlns:mc="http://schemas.openxmlformats.org/markup-compatibility/2006">
               <mc:Choice xmlns:v="urn:schemas-microsoft-com:vml" Requires="v">
-                <p:oleObj spid="_x0000_s299056" name="Equation" r:id="rId4" imgW="914400" imgH="198720" progId="Equation.DSMT4">
+                <p:oleObj spid="_x0000_s299066" name="Equation" r:id="rId4" imgW="914400" imgH="198720" progId="Equation.DSMT4">
                   <p:embed/>
                 </p:oleObj>
               </mc:Choice>
@@ -14758,7 +14734,7 @@
           <a:graphicData uri="http://schemas.openxmlformats.org/presentationml/2006/ole">
             <mc:AlternateContent xmlns:mc="http://schemas.openxmlformats.org/markup-compatibility/2006">
               <mc:Choice xmlns:v="urn:schemas-microsoft-com:vml" Requires="v">
-                <p:oleObj spid="_x0000_s299057" name="Equation" r:id="rId6" imgW="914400" imgH="198720" progId="Equation.DSMT4">
+                <p:oleObj spid="_x0000_s299067" name="Equation" r:id="rId6" imgW="914400" imgH="198720" progId="Equation.DSMT4">
                   <p:embed/>
                 </p:oleObj>
               </mc:Choice>
@@ -14887,7 +14863,7 @@
           <a:graphicData uri="http://schemas.openxmlformats.org/presentationml/2006/ole">
             <mc:AlternateContent xmlns:mc="http://schemas.openxmlformats.org/markup-compatibility/2006">
               <mc:Choice xmlns:v="urn:schemas-microsoft-com:vml" Requires="v">
-                <p:oleObj spid="_x0000_s299058" name="Equation" r:id="rId8" imgW="2032000" imgH="457200" progId="Equation.DSMT4">
+                <p:oleObj spid="_x0000_s299068" name="Equation" r:id="rId8" imgW="2032000" imgH="457200" progId="Equation.DSMT4">
                   <p:embed/>
                 </p:oleObj>
               </mc:Choice>
@@ -15427,7 +15403,7 @@
           <a:graphicData uri="http://schemas.openxmlformats.org/presentationml/2006/ole">
             <mc:AlternateContent xmlns:mc="http://schemas.openxmlformats.org/markup-compatibility/2006">
               <mc:Choice xmlns:v="urn:schemas-microsoft-com:vml" Requires="v">
-                <p:oleObj spid="_x0000_s466982" name="Equation" r:id="rId4" imgW="914400" imgH="198720" progId="Equation.DSMT4">
+                <p:oleObj spid="_x0000_s466989" name="Equation" r:id="rId4" imgW="914400" imgH="198720" progId="Equation.DSMT4">
                   <p:embed/>
                 </p:oleObj>
               </mc:Choice>
@@ -15746,7 +15722,7 @@
           <a:graphicData uri="http://schemas.openxmlformats.org/presentationml/2006/ole">
             <mc:AlternateContent xmlns:mc="http://schemas.openxmlformats.org/markup-compatibility/2006">
               <mc:Choice xmlns:v="urn:schemas-microsoft-com:vml" Requires="v">
-                <p:oleObj spid="_x0000_s466983" name="Equation" r:id="rId6" imgW="2032000" imgH="457200" progId="Equation.DSMT4">
+                <p:oleObj spid="_x0000_s466990" name="Equation" r:id="rId6" imgW="2032000" imgH="457200" progId="Equation.DSMT4">
                   <p:embed/>
                 </p:oleObj>
               </mc:Choice>
@@ -16941,7 +16917,7 @@
           <a:graphicData uri="http://schemas.openxmlformats.org/presentationml/2006/ole">
             <mc:AlternateContent xmlns:mc="http://schemas.openxmlformats.org/markup-compatibility/2006">
               <mc:Choice xmlns:v="urn:schemas-microsoft-com:vml" Requires="v">
-                <p:oleObj spid="_x0000_s469014" name="Equation" r:id="rId4" imgW="914400" imgH="198720" progId="Equation.DSMT4">
+                <p:oleObj spid="_x0000_s469018" name="Equation" r:id="rId4" imgW="914400" imgH="198720" progId="Equation.DSMT4">
                   <p:embed/>
                 </p:oleObj>
               </mc:Choice>
@@ -18189,7 +18165,7 @@
           <a:graphicData uri="http://schemas.openxmlformats.org/presentationml/2006/ole">
             <mc:AlternateContent xmlns:mc="http://schemas.openxmlformats.org/markup-compatibility/2006">
               <mc:Choice xmlns:v="urn:schemas-microsoft-com:vml" Requires="v">
-                <p:oleObj spid="_x0000_s563226" name="Equation" r:id="rId4" imgW="596900" imgH="520700" progId="Equation.DSMT4">
+                <p:oleObj spid="_x0000_s563230" name="Equation" r:id="rId4" imgW="596900" imgH="520700" progId="Equation.DSMT4">
                   <p:embed/>
                 </p:oleObj>
               </mc:Choice>
@@ -18756,7 +18732,7 @@
           <a:graphicData uri="http://schemas.openxmlformats.org/presentationml/2006/ole">
             <mc:AlternateContent xmlns:mc="http://schemas.openxmlformats.org/markup-compatibility/2006">
               <mc:Choice xmlns:v="urn:schemas-microsoft-com:vml" Requires="v">
-                <p:oleObj spid="_x0000_s480291" name="Equation" r:id="rId4" imgW="914400" imgH="198720" progId="Equation.DSMT4">
+                <p:oleObj spid="_x0000_s480298" name="Equation" r:id="rId4" imgW="914400" imgH="198720" progId="Equation.DSMT4">
                   <p:embed/>
                 </p:oleObj>
               </mc:Choice>
@@ -18956,7 +18932,7 @@
           <a:graphicData uri="http://schemas.openxmlformats.org/presentationml/2006/ole">
             <mc:AlternateContent xmlns:mc="http://schemas.openxmlformats.org/markup-compatibility/2006">
               <mc:Choice xmlns:v="urn:schemas-microsoft-com:vml" Requires="v">
-                <p:oleObj spid="_x0000_s480292" name="Equation" r:id="rId6" imgW="1968500" imgH="457200" progId="Equation.DSMT4">
+                <p:oleObj spid="_x0000_s480299" name="Equation" r:id="rId6" imgW="1968500" imgH="457200" progId="Equation.DSMT4">
                   <p:embed/>
                 </p:oleObj>
               </mc:Choice>
@@ -20178,7 +20154,7 @@
           <a:lstStyle/>
           <a:p>
             <a:r>
-              <a:rPr lang="en-US"/>
+              <a:rPr lang="en-US" sz="4000" dirty="0"/>
               <a:t>Power &amp; Limits of Logic</a:t>
             </a:r>
           </a:p>
@@ -20196,8 +20172,8 @@
         </p:nvSpPr>
         <p:spPr>
           <a:xfrm>
-            <a:off x="352425" y="1444625"/>
-            <a:ext cx="8105775" cy="4651375"/>
+            <a:off x="432702" y="1738578"/>
+            <a:ext cx="8315905" cy="3305710"/>
           </a:xfrm>
           <a:noFill/>
           <a:ln/>
@@ -20206,18 +20182,77 @@
           <a:bodyPr/>
           <a:lstStyle/>
           <a:p>
-            <a:pPr algn="ctr"/>
-            <a:r>
-              <a:rPr lang="en-US" sz="5400"/>
-              <a:t>Three Profound Theorems about </a:t>
-            </a:r>
-          </a:p>
-          <a:p>
-            <a:pPr algn="ctr"/>
-            <a:r>
-              <a:rPr lang="en-US" sz="5400"/>
-              <a:t>Mathematical Logic</a:t>
-            </a:r>
+            <a:r>
+              <a:rPr lang="en-US" sz="6000" dirty="0" smtClean="0"/>
+              <a:t>        Two </a:t>
+            </a:r>
+            <a:r>
+              <a:rPr lang="en-US" sz="6000" dirty="0"/>
+              <a:t>Profound </a:t>
+            </a:r>
+            <a:endParaRPr lang="en-US" sz="6000" dirty="0" smtClean="0"/>
+          </a:p>
+          <a:p>
+            <a:r>
+              <a:rPr lang="en-US" sz="6000" dirty="0" smtClean="0"/>
+              <a:t>       Theorems </a:t>
+            </a:r>
+            <a:r>
+              <a:rPr lang="en-US" sz="6000" dirty="0"/>
+              <a:t>about </a:t>
+            </a:r>
+          </a:p>
+          <a:p>
+            <a:r>
+              <a:rPr lang="en-US" sz="6000" dirty="0" smtClean="0"/>
+              <a:t>     Mathematical </a:t>
+            </a:r>
+            <a:r>
+              <a:rPr lang="en-US" sz="6000" dirty="0"/>
+              <a:t>Logic</a:t>
+            </a:r>
+          </a:p>
+        </p:txBody>
+      </p:sp>
+      <p:sp>
+        <p:nvSpPr>
+          <p:cNvPr id="2" name="TextBox 1"/>
+          <p:cNvSpPr txBox="1"/>
+          <p:nvPr/>
+        </p:nvSpPr>
+        <p:spPr>
+          <a:xfrm>
+            <a:off x="211662" y="2848168"/>
+            <a:ext cx="2144487" cy="923330"/>
+          </a:xfrm>
+          <a:prstGeom prst="rect">
+            <a:avLst/>
+          </a:prstGeom>
+          <a:noFill/>
+        </p:spPr>
+        <p:txBody>
+          <a:bodyPr wrap="none" rtlCol="0">
+            <a:spAutoFit/>
+          </a:bodyPr>
+          <a:lstStyle/>
+          <a:p>
+            <a:r>
+              <a:rPr lang="en-US" sz="5400" dirty="0" smtClean="0">
+                <a:solidFill>
+                  <a:srgbClr val="0000FF"/>
+                </a:solidFill>
+                <a:latin typeface="Comic Sans MS"/>
+                <a:cs typeface="Comic Sans MS"/>
+              </a:rPr>
+              <a:t>Meta-</a:t>
+            </a:r>
+            <a:endParaRPr lang="en-US" sz="5400" dirty="0">
+              <a:solidFill>
+                <a:srgbClr val="0000FF"/>
+              </a:solidFill>
+              <a:latin typeface="Comic Sans MS"/>
+              <a:cs typeface="Comic Sans MS"/>
+            </a:endParaRPr>
           </a:p>
         </p:txBody>
       </p:sp>
@@ -20226,7 +20261,9 @@
   <p:clrMapOvr>
     <a:masterClrMapping/>
   </p:clrMapOvr>
-  <p:transition xmlns:p14="http://schemas.microsoft.com/office/powerpoint/2010/main"/>
+  <p:transition xmlns:p14="http://schemas.microsoft.com/office/powerpoint/2010/main" spd="slow">
+    <p:fade thruBlk="1"/>
+  </p:transition>
   <p:timing>
     <p:tnLst>
       <p:par>
@@ -20248,7 +20285,7 @@
                             </p:stCondLst>
                             <p:childTnLst>
                               <p:par>
-                                <p:cTn id="5" presetID="1" presetClass="entr" presetSubtype="0" fill="hold" nodeType="clickEffect">
+                                <p:cTn id="5" presetID="9" presetClass="entr" presetSubtype="0" fill="hold" grpId="0" nodeType="clickEffect">
                                   <p:stCondLst>
                                     <p:cond delay="0"/>
                                   </p:stCondLst>
@@ -20261,11 +20298,7 @@
                                           </p:stCondLst>
                                         </p:cTn>
                                         <p:tgtEl>
-                                          <p:spTgt spid="118787">
-                                            <p:txEl>
-                                              <p:pRg st="0" end="0"/>
-                                            </p:txEl>
-                                          </p:spTgt>
+                                          <p:spTgt spid="118786"/>
                                         </p:tgtEl>
                                         <p:attrNameLst>
                                           <p:attrName>style.visibility</p:attrName>
@@ -20275,28 +20308,50 @@
                                         <p:strVal val="visible"/>
                                       </p:to>
                                     </p:set>
+                                    <p:animEffect transition="in" filter="dissolve">
+                                      <p:cBhvr>
+                                        <p:cTn id="7" dur="500"/>
+                                        <p:tgtEl>
+                                          <p:spTgt spid="118786"/>
+                                        </p:tgtEl>
+                                      </p:cBhvr>
+                                    </p:animEffect>
                                   </p:childTnLst>
                                 </p:cTn>
                               </p:par>
+                            </p:childTnLst>
+                          </p:cTn>
+                        </p:par>
+                      </p:childTnLst>
+                    </p:cTn>
+                  </p:par>
+                  <p:par>
+                    <p:cTn id="8" fill="hold">
+                      <p:stCondLst>
+                        <p:cond delay="indefinite"/>
+                      </p:stCondLst>
+                      <p:childTnLst>
+                        <p:par>
+                          <p:cTn id="9" fill="hold">
+                            <p:stCondLst>
+                              <p:cond delay="0"/>
+                            </p:stCondLst>
+                            <p:childTnLst>
                               <p:par>
-                                <p:cTn id="7" presetID="1" presetClass="entr" presetSubtype="0" fill="hold" nodeType="withEffect">
+                                <p:cTn id="10" presetID="2" presetClass="entr" presetSubtype="8" fill="hold" grpId="0" nodeType="clickEffect">
                                   <p:stCondLst>
                                     <p:cond delay="0"/>
                                   </p:stCondLst>
                                   <p:childTnLst>
                                     <p:set>
                                       <p:cBhvr>
-                                        <p:cTn id="8" dur="1" fill="hold">
+                                        <p:cTn id="11" dur="1" fill="hold">
                                           <p:stCondLst>
                                             <p:cond delay="0"/>
                                           </p:stCondLst>
                                         </p:cTn>
                                         <p:tgtEl>
-                                          <p:spTgt spid="118787">
-                                            <p:txEl>
-                                              <p:pRg st="1" end="1"/>
-                                            </p:txEl>
-                                          </p:spTgt>
+                                          <p:spTgt spid="2"/>
                                         </p:tgtEl>
                                         <p:attrNameLst>
                                           <p:attrName>style.visibility</p:attrName>
@@ -20306,6 +20361,52 @@
                                         <p:strVal val="visible"/>
                                       </p:to>
                                     </p:set>
+                                    <p:anim calcmode="lin" valueType="num">
+                                      <p:cBhvr additive="base">
+                                        <p:cTn id="12" dur="500" fill="hold"/>
+                                        <p:tgtEl>
+                                          <p:spTgt spid="2"/>
+                                        </p:tgtEl>
+                                        <p:attrNameLst>
+                                          <p:attrName>ppt_x</p:attrName>
+                                        </p:attrNameLst>
+                                      </p:cBhvr>
+                                      <p:tavLst>
+                                        <p:tav tm="0">
+                                          <p:val>
+                                            <p:strVal val="0-#ppt_w/2"/>
+                                          </p:val>
+                                        </p:tav>
+                                        <p:tav tm="100000">
+                                          <p:val>
+                                            <p:strVal val="#ppt_x"/>
+                                          </p:val>
+                                        </p:tav>
+                                      </p:tavLst>
+                                    </p:anim>
+                                    <p:anim calcmode="lin" valueType="num">
+                                      <p:cBhvr additive="base">
+                                        <p:cTn id="13" dur="500" fill="hold"/>
+                                        <p:tgtEl>
+                                          <p:spTgt spid="2"/>
+                                        </p:tgtEl>
+                                        <p:attrNameLst>
+                                          <p:attrName>ppt_y</p:attrName>
+                                        </p:attrNameLst>
+                                      </p:cBhvr>
+                                      <p:tavLst>
+                                        <p:tav tm="0">
+                                          <p:val>
+                                            <p:strVal val="#ppt_y"/>
+                                          </p:val>
+                                        </p:tav>
+                                        <p:tav tm="100000">
+                                          <p:val>
+                                            <p:strVal val="#ppt_y"/>
+                                          </p:val>
+                                        </p:tav>
+                                      </p:tavLst>
+                                    </p:anim>
                                   </p:childTnLst>
                                 </p:cTn>
                               </p:par>
@@ -20336,6 +20437,10 @@
         </p:cTn>
       </p:par>
     </p:tnLst>
+    <p:bldLst>
+      <p:bldP spid="118786" grpId="0"/>
+      <p:bldP spid="2" grpId="0"/>
+    </p:bldLst>
   </p:timing>
 </p:sld>
 </file>
@@ -20524,7 +20629,18 @@
   <p:clrMapOvr>
     <a:masterClrMapping/>
   </p:clrMapOvr>
-  <p:transition xmlns:p14="http://schemas.microsoft.com/office/powerpoint/2010/main"/>
+  <mc:AlternateContent xmlns:mc="http://schemas.openxmlformats.org/markup-compatibility/2006">
+    <mc:Choice xmlns:p14="http://schemas.microsoft.com/office/powerpoint/2010/main" Requires="p14">
+      <p:transition spd="med" p14:dur="700">
+        <p:fade/>
+      </p:transition>
+    </mc:Choice>
+    <mc:Fallback>
+      <p:transition xmlns:p14="http://schemas.microsoft.com/office/powerpoint/2010/main" spd="med">
+        <p:fade/>
+      </p:transition>
+    </mc:Fallback>
+  </mc:AlternateContent>
   <p:timing>
     <p:tnLst>
       <p:par>
@@ -20657,7 +20773,7 @@
 </file>
 
 <file path=ppt/slides/slide32.xml><?xml version="1.0" encoding="utf-8"?>
-<p:sld xmlns:a="http://schemas.openxmlformats.org/drawingml/2006/main" xmlns:r="http://schemas.openxmlformats.org/officeDocument/2006/relationships" xmlns:p="http://schemas.openxmlformats.org/presentationml/2006/main">
+<p:sld xmlns:a="http://schemas.openxmlformats.org/drawingml/2006/main" xmlns:r="http://schemas.openxmlformats.org/officeDocument/2006/relationships" xmlns:p="http://schemas.openxmlformats.org/presentationml/2006/main" show="0">
   <p:cSld>
     <p:spTree>
       <p:nvGrpSpPr>
@@ -20924,7 +21040,7 @@
 </file>
 
 <file path=ppt/slides/slide34.xml><?xml version="1.0" encoding="utf-8"?>
-<p:sld xmlns:a="http://schemas.openxmlformats.org/drawingml/2006/main" xmlns:r="http://schemas.openxmlformats.org/officeDocument/2006/relationships" xmlns:p="http://schemas.openxmlformats.org/presentationml/2006/main">
+<p:sld xmlns:a="http://schemas.openxmlformats.org/drawingml/2006/main" xmlns:r="http://schemas.openxmlformats.org/officeDocument/2006/relationships" xmlns:p="http://schemas.openxmlformats.org/presentationml/2006/main" show="0">
   <p:cSld>
     <p:spTree>
       <p:nvGrpSpPr>
@@ -21394,9 +21510,10 @@
           <a:lstStyle/>
           <a:p>
             <a:r>
-              <a:rPr lang="en-US"/>
-              <a:t>Three Profound Theorems</a:t>
-            </a:r>
+              <a:rPr lang="en-US" sz="4000" dirty="0" smtClean="0"/>
+              <a:t>Profound Meta-Theorems</a:t>
+            </a:r>
+            <a:endParaRPr lang="en-US" sz="4000" dirty="0"/>
           </a:p>
         </p:txBody>
       </p:sp>
@@ -21412,8 +21529,8 @@
         </p:nvSpPr>
         <p:spPr>
           <a:xfrm>
-            <a:off x="703263" y="1674811"/>
-            <a:ext cx="7714116" cy="3452358"/>
+            <a:off x="223419" y="1681430"/>
+            <a:ext cx="8819161" cy="3598025"/>
           </a:xfrm>
         </p:spPr>
         <p:txBody>
@@ -21421,43 +21538,62 @@
           <a:lstStyle/>
           <a:p>
             <a:r>
-              <a:rPr lang="en-US" sz="3600" dirty="0"/>
-              <a:t>We won't  prove these Theorems.</a:t>
-            </a:r>
-          </a:p>
-          <a:p>
-            <a:r>
-              <a:rPr lang="en-US" sz="3600" dirty="0"/>
-              <a:t>Their proofs usually require half </a:t>
-            </a:r>
-          </a:p>
-          <a:p>
-            <a:r>
-              <a:rPr lang="en-US" sz="3600" dirty="0"/>
-              <a:t>a term in an intro logic course </a:t>
-            </a:r>
-          </a:p>
-          <a:p>
-            <a:r>
-              <a:rPr lang="en-US" sz="3600" dirty="0"/>
-              <a:t>after 6.042</a:t>
-            </a:r>
-            <a:r>
-              <a:rPr lang="en-US" sz="3600" dirty="0" smtClean="0"/>
+              <a:rPr lang="en-US" sz="4000" dirty="0"/>
+              <a:t>We won't </a:t>
+            </a:r>
+            <a:r>
+              <a:rPr lang="en-US" sz="4000" dirty="0" smtClean="0"/>
+              <a:t>examine </a:t>
+            </a:r>
+            <a:r>
+              <a:rPr lang="en-US" sz="4000" dirty="0"/>
+              <a:t>these </a:t>
+            </a:r>
+            <a:r>
+              <a:rPr lang="en-US" sz="4000" dirty="0" smtClean="0"/>
+              <a:t>Theorems further.  Their </a:t>
+            </a:r>
+            <a:r>
+              <a:rPr lang="en-US" sz="4000" dirty="0"/>
+              <a:t>proofs usually require half </a:t>
+            </a:r>
+            <a:r>
+              <a:rPr lang="en-US" sz="4000" dirty="0" smtClean="0"/>
+              <a:t>a </a:t>
+            </a:r>
+            <a:r>
+              <a:rPr lang="en-US" sz="4000" dirty="0"/>
+              <a:t>term in an intro logic course </a:t>
+            </a:r>
+            <a:r>
+              <a:rPr lang="en-US" sz="4000" dirty="0" smtClean="0"/>
+              <a:t>after </a:t>
+            </a:r>
+            <a:r>
+              <a:rPr lang="en-US" sz="4000" dirty="0"/>
+              <a:t>6.042</a:t>
+            </a:r>
+            <a:r>
+              <a:rPr lang="en-US" sz="4000" dirty="0" smtClean="0"/>
               <a:t>.  But </a:t>
             </a:r>
             <a:r>
-              <a:rPr lang="en-US" sz="3600" smtClean="0"/>
-              <a:t>they are</a:t>
-            </a:r>
-            <a:endParaRPr lang="en-US" sz="3600" dirty="0" smtClean="0"/>
-          </a:p>
-          <a:p>
-            <a:r>
-              <a:rPr lang="en-US" sz="3600" dirty="0" smtClean="0"/>
-              <a:t>interesting to think about.</a:t>
-            </a:r>
-            <a:endParaRPr lang="en-US" sz="2400" dirty="0"/>
+              <a:rPr lang="en-US" sz="4000" dirty="0" smtClean="0"/>
+              <a:t>they are </a:t>
+            </a:r>
+            <a:r>
+              <a:rPr lang="en-US" sz="4000" dirty="0" smtClean="0"/>
+              <a:t>i</a:t>
+            </a:r>
+            <a:r>
+              <a:rPr lang="en-US" sz="4000" dirty="0" smtClean="0"/>
+              <a:t>nteresting </a:t>
+            </a:r>
+            <a:r>
+              <a:rPr lang="en-US" sz="4000" dirty="0" smtClean="0"/>
+              <a:t>to think about.</a:t>
+            </a:r>
+            <a:endParaRPr lang="en-US" sz="2800" dirty="0"/>
           </a:p>
         </p:txBody>
       </p:sp>
@@ -24852,7 +24988,7 @@
           <a:graphicData uri="http://schemas.openxmlformats.org/presentationml/2006/ole">
             <mc:AlternateContent xmlns:mc="http://schemas.openxmlformats.org/markup-compatibility/2006">
               <mc:Choice xmlns:v="urn:schemas-microsoft-com:vml" Requires="v">
-                <p:oleObj spid="_x0000_s526358" name="Equation" r:id="rId4" imgW="1815840" imgH="457200" progId="Equation.DSMT4">
+                <p:oleObj spid="_x0000_s526362" name="Equation" r:id="rId4" imgW="1815840" imgH="457200" progId="Equation.DSMT4">
                   <p:embed/>
                 </p:oleObj>
               </mc:Choice>

--- a/spring12/slidesS12/slides2f.pptx
+++ b/spring12/slidesS12/slides2f.pptx
@@ -35,11 +35,11 @@
     <p:sldId id="345" r:id="rId23"/>
     <p:sldId id="273" r:id="rId24"/>
     <p:sldId id="274" r:id="rId25"/>
-    <p:sldId id="338" r:id="rId26"/>
-    <p:sldId id="329" r:id="rId27"/>
-    <p:sldId id="332" r:id="rId28"/>
-    <p:sldId id="331" r:id="rId29"/>
-    <p:sldId id="337" r:id="rId30"/>
+    <p:sldId id="329" r:id="rId26"/>
+    <p:sldId id="332" r:id="rId27"/>
+    <p:sldId id="331" r:id="rId28"/>
+    <p:sldId id="337" r:id="rId29"/>
+    <p:sldId id="338" r:id="rId30"/>
     <p:sldId id="339" r:id="rId31"/>
     <p:sldId id="296" r:id="rId32"/>
     <p:sldId id="297" r:id="rId33"/>
@@ -2292,7 +2292,7 @@
           <a:bodyPr/>
           <a:lstStyle/>
           <a:p>
-            <a:fld id="{D49E3926-4844-4CAB-983E-8EAEBD10AF78}" type="slidenum">
+            <a:fld id="{DCED4D4E-A580-4423-91CC-2E0FC037734B}" type="slidenum">
               <a:rPr lang="en-US"/>
               <a:pPr/>
               <a:t>25</a:t>
@@ -2303,7 +2303,7 @@
       </p:sp>
       <p:sp>
         <p:nvSpPr>
-          <p:cNvPr id="116738" name="Rectangle 2"/>
+          <p:cNvPr id="113666" name="Rectangle 2"/>
           <p:cNvSpPr>
             <a:spLocks noGrp="1" noRot="1" noChangeAspect="1" noChangeArrowheads="1" noTextEdit="1"/>
           </p:cNvSpPr>
@@ -2317,7 +2317,7 @@
       </p:sp>
       <p:sp>
         <p:nvSpPr>
-          <p:cNvPr id="116739" name="Rectangle 3"/>
+          <p:cNvPr id="113667" name="Rectangle 3"/>
           <p:cNvSpPr>
             <a:spLocks noGrp="1" noChangeArrowheads="1"/>
           </p:cNvSpPr>
@@ -2376,7 +2376,7 @@
           <a:bodyPr/>
           <a:lstStyle/>
           <a:p>
-            <a:fld id="{DCED4D4E-A580-4423-91CC-2E0FC037734B}" type="slidenum">
+            <a:fld id="{0DD0B9DE-DC4A-4D61-BAA3-C7CF7A22AFCB}" type="slidenum">
               <a:rPr lang="en-US"/>
               <a:pPr/>
               <a:t>26</a:t>
@@ -2387,7 +2387,7 @@
       </p:sp>
       <p:sp>
         <p:nvSpPr>
-          <p:cNvPr id="113666" name="Rectangle 2"/>
+          <p:cNvPr id="115714" name="Rectangle 2"/>
           <p:cNvSpPr>
             <a:spLocks noGrp="1" noRot="1" noChangeAspect="1" noChangeArrowheads="1" noTextEdit="1"/>
           </p:cNvSpPr>
@@ -2401,7 +2401,7 @@
       </p:sp>
       <p:sp>
         <p:nvSpPr>
-          <p:cNvPr id="113667" name="Rectangle 3"/>
+          <p:cNvPr id="115715" name="Rectangle 3"/>
           <p:cNvSpPr>
             <a:spLocks noGrp="1" noChangeArrowheads="1"/>
           </p:cNvSpPr>
@@ -2460,7 +2460,7 @@
           <a:bodyPr/>
           <a:lstStyle/>
           <a:p>
-            <a:fld id="{0DD0B9DE-DC4A-4D61-BAA3-C7CF7A22AFCB}" type="slidenum">
+            <a:fld id="{5E902562-4434-4110-A466-8586288EF937}" type="slidenum">
               <a:rPr lang="en-US"/>
               <a:pPr/>
               <a:t>27</a:t>
@@ -2471,7 +2471,7 @@
       </p:sp>
       <p:sp>
         <p:nvSpPr>
-          <p:cNvPr id="115714" name="Rectangle 2"/>
+          <p:cNvPr id="114690" name="Rectangle 2"/>
           <p:cNvSpPr>
             <a:spLocks noGrp="1" noRot="1" noChangeAspect="1" noChangeArrowheads="1" noTextEdit="1"/>
           </p:cNvSpPr>
@@ -2485,7 +2485,7 @@
       </p:sp>
       <p:sp>
         <p:nvSpPr>
-          <p:cNvPr id="115715" name="Rectangle 3"/>
+          <p:cNvPr id="114691" name="Rectangle 3"/>
           <p:cNvSpPr>
             <a:spLocks noGrp="1" noChangeArrowheads="1"/>
           </p:cNvSpPr>
@@ -2544,7 +2544,7 @@
           <a:bodyPr/>
           <a:lstStyle/>
           <a:p>
-            <a:fld id="{5E902562-4434-4110-A466-8586288EF937}" type="slidenum">
+            <a:fld id="{DE38A2FE-D77E-47B8-AC5A-2C03E85626D0}" type="slidenum">
               <a:rPr lang="en-US"/>
               <a:pPr/>
               <a:t>28</a:t>
@@ -2555,7 +2555,7 @@
       </p:sp>
       <p:sp>
         <p:nvSpPr>
-          <p:cNvPr id="114690" name="Rectangle 2"/>
+          <p:cNvPr id="112642" name="Rectangle 2"/>
           <p:cNvSpPr>
             <a:spLocks noGrp="1" noRot="1" noChangeAspect="1" noChangeArrowheads="1" noTextEdit="1"/>
           </p:cNvSpPr>
@@ -2569,7 +2569,7 @@
       </p:sp>
       <p:sp>
         <p:nvSpPr>
-          <p:cNvPr id="114691" name="Rectangle 3"/>
+          <p:cNvPr id="112643" name="Rectangle 3"/>
           <p:cNvSpPr>
             <a:spLocks noGrp="1" noChangeArrowheads="1"/>
           </p:cNvSpPr>
@@ -2628,7 +2628,7 @@
           <a:bodyPr/>
           <a:lstStyle/>
           <a:p>
-            <a:fld id="{DE38A2FE-D77E-47B8-AC5A-2C03E85626D0}" type="slidenum">
+            <a:fld id="{D49E3926-4844-4CAB-983E-8EAEBD10AF78}" type="slidenum">
               <a:rPr lang="en-US"/>
               <a:pPr/>
               <a:t>29</a:t>
@@ -2639,7 +2639,7 @@
       </p:sp>
       <p:sp>
         <p:nvSpPr>
-          <p:cNvPr id="112642" name="Rectangle 2"/>
+          <p:cNvPr id="116738" name="Rectangle 2"/>
           <p:cNvSpPr>
             <a:spLocks noGrp="1" noRot="1" noChangeAspect="1" noChangeArrowheads="1" noTextEdit="1"/>
           </p:cNvSpPr>
@@ -2653,7 +2653,7 @@
       </p:sp>
       <p:sp>
         <p:nvSpPr>
-          <p:cNvPr id="112643" name="Rectangle 3"/>
+          <p:cNvPr id="116739" name="Rectangle 3"/>
           <p:cNvSpPr>
             <a:spLocks noGrp="1" noChangeArrowheads="1"/>
           </p:cNvSpPr>
@@ -5792,7 +5792,7 @@
           <a:graphicData uri="http://schemas.openxmlformats.org/presentationml/2006/ole">
             <mc:AlternateContent xmlns:mc="http://schemas.openxmlformats.org/markup-compatibility/2006">
               <mc:Choice xmlns:v="urn:schemas-microsoft-com:vml" Requires="v">
-                <p:oleObj spid="_x0000_s527386" name="Equation" r:id="rId4" imgW="1765080" imgH="457200" progId="Equation.DSMT4">
+                <p:oleObj spid="_x0000_s527391" name="Equation" r:id="rId4" imgW="1765080" imgH="457200" progId="Equation.DSMT4">
                   <p:embed/>
                 </p:oleObj>
               </mc:Choice>
@@ -7577,7 +7577,7 @@
           <a:graphicData uri="http://schemas.openxmlformats.org/presentationml/2006/ole">
             <mc:AlternateContent xmlns:mc="http://schemas.openxmlformats.org/markup-compatibility/2006">
               <mc:Choice xmlns:v="urn:schemas-microsoft-com:vml" Requires="v">
-                <p:oleObj spid="_x0000_s479259" name="Equation" r:id="rId4" imgW="164880" imgH="164880" progId="Equation.DSMT4">
+                <p:oleObj spid="_x0000_s479264" name="Equation" r:id="rId4" imgW="164880" imgH="164880" progId="Equation.DSMT4">
                   <p:embed/>
                 </p:oleObj>
               </mc:Choice>
@@ -10697,7 +10697,7 @@
           <a:graphicData uri="http://schemas.openxmlformats.org/presentationml/2006/ole">
             <mc:AlternateContent xmlns:mc="http://schemas.openxmlformats.org/markup-compatibility/2006">
               <mc:Choice xmlns:v="urn:schemas-microsoft-com:vml" Requires="v">
-                <p:oleObj spid="_x0000_s292942" name="Equation" r:id="rId4" imgW="2298600" imgH="228600" progId="Equation.DSMT4">
+                <p:oleObj spid="_x0000_s292964" name="Equation" r:id="rId4" imgW="2298600" imgH="228600" progId="Equation.DSMT4">
                   <p:embed/>
                 </p:oleObj>
               </mc:Choice>
@@ -10917,7 +10917,7 @@
           <a:graphicData uri="http://schemas.openxmlformats.org/presentationml/2006/ole">
             <mc:AlternateContent xmlns:mc="http://schemas.openxmlformats.org/markup-compatibility/2006">
               <mc:Choice xmlns:v="urn:schemas-microsoft-com:vml" Requires="v">
-                <p:oleObj spid="_x0000_s292943" name="Equation" r:id="rId6" imgW="914400" imgH="198720" progId="Equation.DSMT4">
+                <p:oleObj spid="_x0000_s292965" name="Equation" r:id="rId6" imgW="914400" imgH="198720" progId="Equation.DSMT4">
                   <p:embed/>
                 </p:oleObj>
               </mc:Choice>
@@ -11078,7 +11078,7 @@
           <a:graphicData uri="http://schemas.openxmlformats.org/presentationml/2006/ole">
             <mc:AlternateContent xmlns:mc="http://schemas.openxmlformats.org/markup-compatibility/2006">
               <mc:Choice xmlns:v="urn:schemas-microsoft-com:vml" Requires="v">
-                <p:oleObj spid="_x0000_s292944" name="Equation" r:id="rId8" imgW="406400" imgH="444500" progId="Equation.DSMT4">
+                <p:oleObj spid="_x0000_s292966" name="Equation" r:id="rId8" imgW="406400" imgH="444500" progId="Equation.DSMT4">
                   <p:embed/>
                 </p:oleObj>
               </mc:Choice>
@@ -11135,7 +11135,7 @@
           <a:graphicData uri="http://schemas.openxmlformats.org/presentationml/2006/ole">
             <mc:AlternateContent xmlns:mc="http://schemas.openxmlformats.org/markup-compatibility/2006">
               <mc:Choice xmlns:v="urn:schemas-microsoft-com:vml" Requires="v">
-                <p:oleObj spid="_x0000_s292945" name="Equation" r:id="rId10" imgW="279400" imgH="444500" progId="Equation.DSMT4">
+                <p:oleObj spid="_x0000_s292967" name="Equation" r:id="rId10" imgW="279400" imgH="444500" progId="Equation.DSMT4">
                   <p:embed/>
                 </p:oleObj>
               </mc:Choice>
@@ -11199,7 +11199,7 @@
                             </p:stCondLst>
                             <p:childTnLst>
                               <p:par>
-                                <p:cTn id="5" presetID="1" presetClass="entr" presetSubtype="0" fill="hold" nodeType="clickEffect">
+                                <p:cTn id="5" presetID="9" presetClass="entr" presetSubtype="0" fill="hold" nodeType="clickEffect">
                                   <p:stCondLst>
                                     <p:cond delay="0"/>
                                   </p:stCondLst>
@@ -11222,6 +11222,14 @@
                                         <p:strVal val="visible"/>
                                       </p:to>
                                     </p:set>
+                                    <p:animEffect transition="in" filter="dissolve">
+                                      <p:cBhvr>
+                                        <p:cTn id="7" dur="500"/>
+                                        <p:tgtEl>
+                                          <p:spTgt spid="3"/>
+                                        </p:tgtEl>
+                                      </p:cBhvr>
+                                    </p:animEffect>
                                   </p:childTnLst>
                                 </p:cTn>
                               </p:par>
@@ -11232,26 +11240,26 @@
                     </p:cTn>
                   </p:par>
                   <p:par>
-                    <p:cTn id="7" fill="hold">
+                    <p:cTn id="8" fill="hold">
                       <p:stCondLst>
                         <p:cond delay="indefinite"/>
                       </p:stCondLst>
                       <p:childTnLst>
                         <p:par>
-                          <p:cTn id="8" fill="hold">
+                          <p:cTn id="9" fill="hold">
                             <p:stCondLst>
                               <p:cond delay="0"/>
                             </p:stCondLst>
                             <p:childTnLst>
                               <p:par>
-                                <p:cTn id="9" presetID="1" presetClass="entr" presetSubtype="0" fill="hold" nodeType="clickEffect">
+                                <p:cTn id="10" presetID="9" presetClass="entr" presetSubtype="0" fill="hold" nodeType="clickEffect">
                                   <p:stCondLst>
                                     <p:cond delay="0"/>
                                   </p:stCondLst>
                                   <p:childTnLst>
                                     <p:set>
                                       <p:cBhvr>
-                                        <p:cTn id="10" dur="1" fill="hold">
+                                        <p:cTn id="11" dur="1" fill="hold">
                                           <p:stCondLst>
                                             <p:cond delay="0"/>
                                           </p:stCondLst>
@@ -11267,6 +11275,14 @@
                                         <p:strVal val="visible"/>
                                       </p:to>
                                     </p:set>
+                                    <p:animEffect transition="in" filter="dissolve">
+                                      <p:cBhvr>
+                                        <p:cTn id="12" dur="500"/>
+                                        <p:tgtEl>
+                                          <p:spTgt spid="14"/>
+                                        </p:tgtEl>
+                                      </p:cBhvr>
+                                    </p:animEffect>
                                   </p:childTnLst>
                                 </p:cTn>
                               </p:par>
@@ -11277,26 +11293,26 @@
                     </p:cTn>
                   </p:par>
                   <p:par>
-                    <p:cTn id="11" fill="hold">
+                    <p:cTn id="13" fill="hold">
                       <p:stCondLst>
                         <p:cond delay="indefinite"/>
                       </p:stCondLst>
                       <p:childTnLst>
                         <p:par>
-                          <p:cTn id="12" fill="hold">
+                          <p:cTn id="14" fill="hold">
                             <p:stCondLst>
                               <p:cond delay="0"/>
                             </p:stCondLst>
                             <p:childTnLst>
                               <p:par>
-                                <p:cTn id="13" presetID="1" presetClass="entr" presetSubtype="0" fill="hold" nodeType="clickEffect">
+                                <p:cTn id="15" presetID="9" presetClass="entr" presetSubtype="0" fill="hold" nodeType="clickEffect">
                                   <p:stCondLst>
                                     <p:cond delay="0"/>
                                   </p:stCondLst>
                                   <p:childTnLst>
                                     <p:set>
                                       <p:cBhvr>
-                                        <p:cTn id="14" dur="1" fill="hold">
+                                        <p:cTn id="16" dur="1" fill="hold">
                                           <p:stCondLst>
                                             <p:cond delay="0"/>
                                           </p:stCondLst>
@@ -11312,6 +11328,14 @@
                                         <p:strVal val="visible"/>
                                       </p:to>
                                     </p:set>
+                                    <p:animEffect transition="in" filter="dissolve">
+                                      <p:cBhvr>
+                                        <p:cTn id="17" dur="500"/>
+                                        <p:tgtEl>
+                                          <p:spTgt spid="17"/>
+                                        </p:tgtEl>
+                                      </p:cBhvr>
+                                    </p:animEffect>
                                   </p:childTnLst>
                                 </p:cTn>
                               </p:par>
@@ -11322,26 +11346,26 @@
                     </p:cTn>
                   </p:par>
                   <p:par>
-                    <p:cTn id="15" fill="hold">
+                    <p:cTn id="18" fill="hold">
                       <p:stCondLst>
                         <p:cond delay="indefinite"/>
                       </p:stCondLst>
                       <p:childTnLst>
                         <p:par>
-                          <p:cTn id="16" fill="hold">
+                          <p:cTn id="19" fill="hold">
                             <p:stCondLst>
                               <p:cond delay="0"/>
                             </p:stCondLst>
                             <p:childTnLst>
                               <p:par>
-                                <p:cTn id="17" presetID="1" presetClass="entr" presetSubtype="0" fill="hold" grpId="0" nodeType="clickEffect">
+                                <p:cTn id="20" presetID="9" presetClass="entr" presetSubtype="0" fill="hold" grpId="1" nodeType="clickEffect">
                                   <p:stCondLst>
                                     <p:cond delay="0"/>
                                   </p:stCondLst>
                                   <p:childTnLst>
                                     <p:set>
                                       <p:cBhvr>
-                                        <p:cTn id="18" dur="1" fill="hold">
+                                        <p:cTn id="21" dur="1" fill="hold">
                                           <p:stCondLst>
                                             <p:cond delay="0"/>
                                           </p:stCondLst>
@@ -11357,6 +11381,14 @@
                                         <p:strVal val="visible"/>
                                       </p:to>
                                     </p:set>
+                                    <p:animEffect transition="in" filter="dissolve">
+                                      <p:cBhvr>
+                                        <p:cTn id="22" dur="500"/>
+                                        <p:tgtEl>
+                                          <p:spTgt spid="43029"/>
+                                        </p:tgtEl>
+                                      </p:cBhvr>
+                                    </p:animEffect>
                                   </p:childTnLst>
                                 </p:cTn>
                               </p:par>
@@ -11367,26 +11399,26 @@
                     </p:cTn>
                   </p:par>
                   <p:par>
-                    <p:cTn id="19" fill="hold">
+                    <p:cTn id="23" fill="hold">
                       <p:stCondLst>
                         <p:cond delay="indefinite"/>
                       </p:stCondLst>
                       <p:childTnLst>
                         <p:par>
-                          <p:cTn id="20" fill="hold">
+                          <p:cTn id="24" fill="hold">
                             <p:stCondLst>
                               <p:cond delay="0"/>
                             </p:stCondLst>
                             <p:childTnLst>
                               <p:par>
-                                <p:cTn id="21" presetID="1" presetClass="entr" presetSubtype="0" fill="hold" grpId="0" nodeType="clickEffect">
+                                <p:cTn id="25" presetID="22" presetClass="entr" presetSubtype="8" fill="hold" grpId="1" nodeType="clickEffect">
                                   <p:stCondLst>
                                     <p:cond delay="0"/>
                                   </p:stCondLst>
                                   <p:childTnLst>
                                     <p:set>
                                       <p:cBhvr>
-                                        <p:cTn id="22" dur="1" fill="hold">
+                                        <p:cTn id="26" dur="1" fill="hold">
                                           <p:stCondLst>
                                             <p:cond delay="0"/>
                                           </p:stCondLst>
@@ -11402,6 +11434,14 @@
                                         <p:strVal val="visible"/>
                                       </p:to>
                                     </p:set>
+                                    <p:animEffect transition="in" filter="wipe(left)">
+                                      <p:cBhvr>
+                                        <p:cTn id="27" dur="500"/>
+                                        <p:tgtEl>
+                                          <p:spTgt spid="43016"/>
+                                        </p:tgtEl>
+                                      </p:cBhvr>
+                                    </p:animEffect>
                                   </p:childTnLst>
                                 </p:cTn>
                               </p:par>
@@ -11409,20 +11449,20 @@
                           </p:cTn>
                         </p:par>
                         <p:par>
-                          <p:cTn id="23" fill="hold">
+                          <p:cTn id="28" fill="hold">
                             <p:stCondLst>
-                              <p:cond delay="0"/>
+                              <p:cond delay="500"/>
                             </p:stCondLst>
                             <p:childTnLst>
                               <p:par>
-                                <p:cTn id="24" presetID="22" presetClass="entr" presetSubtype="8" fill="hold" grpId="0" nodeType="afterEffect">
+                                <p:cTn id="29" presetID="22" presetClass="entr" presetSubtype="8" fill="hold" grpId="0" nodeType="afterEffect">
                                   <p:stCondLst>
                                     <p:cond delay="500"/>
                                   </p:stCondLst>
                                   <p:childTnLst>
                                     <p:set>
                                       <p:cBhvr>
-                                        <p:cTn id="25" dur="1" fill="hold">
+                                        <p:cTn id="30" dur="1" fill="hold">
                                           <p:stCondLst>
                                             <p:cond delay="0"/>
                                           </p:stCondLst>
@@ -11440,7 +11480,7 @@
                                     </p:set>
                                     <p:animEffect transition="in" filter="wipe(left)">
                                       <p:cBhvr>
-                                        <p:cTn id="26" dur="1000"/>
+                                        <p:cTn id="31" dur="1000"/>
                                         <p:tgtEl>
                                           <p:spTgt spid="43030"/>
                                         </p:tgtEl>
@@ -11477,8 +11517,8 @@
       </p:par>
     </p:tnLst>
     <p:bldLst>
-      <p:bldP spid="43016" grpId="0"/>
-      <p:bldP spid="43029" grpId="0"/>
+      <p:bldP spid="43016" grpId="1"/>
+      <p:bldP spid="43029" grpId="1"/>
       <p:bldP spid="43030" grpId="0" animBg="1"/>
     </p:bldLst>
   </p:timing>
@@ -11615,7 +11655,7 @@
           <a:graphicData uri="http://schemas.openxmlformats.org/presentationml/2006/ole">
             <mc:AlternateContent xmlns:mc="http://schemas.openxmlformats.org/markup-compatibility/2006">
               <mc:Choice xmlns:v="urn:schemas-microsoft-com:vml" Requires="v">
-                <p:oleObj spid="_x0000_s407601" name="Equation" r:id="rId4" imgW="914400" imgH="198720" progId="Equation.DSMT4">
+                <p:oleObj spid="_x0000_s407616" name="Equation" r:id="rId4" imgW="914400" imgH="198720" progId="Equation.DSMT4">
                   <p:embed/>
                 </p:oleObj>
               </mc:Choice>
@@ -11734,7 +11774,7 @@
           <a:graphicData uri="http://schemas.openxmlformats.org/presentationml/2006/ole">
             <mc:AlternateContent xmlns:mc="http://schemas.openxmlformats.org/markup-compatibility/2006">
               <mc:Choice xmlns:v="urn:schemas-microsoft-com:vml" Requires="v">
-                <p:oleObj spid="_x0000_s407602" name="Equation" r:id="rId6" imgW="2247840" imgH="228600" progId="Equation.DSMT4">
+                <p:oleObj spid="_x0000_s407617" name="Equation" r:id="rId6" imgW="2247840" imgH="228600" progId="Equation.DSMT4">
                   <p:embed/>
                 </p:oleObj>
               </mc:Choice>
@@ -11788,6 +11828,63 @@
           </a:graphicData>
         </a:graphic>
       </p:graphicFrame>
+      <p:graphicFrame>
+        <p:nvGraphicFramePr>
+          <p:cNvPr id="2" name="Object 1"/>
+          <p:cNvGraphicFramePr>
+            <a:graphicFrameLocks noChangeAspect="1"/>
+          </p:cNvGraphicFramePr>
+          <p:nvPr>
+            <p:extLst>
+              <p:ext uri="{D42A27DB-BD31-4B8C-83A1-F6EECF244321}">
+                <p14:modId xmlns:p14="http://schemas.microsoft.com/office/powerpoint/2010/main" val="1425234639"/>
+              </p:ext>
+            </p:extLst>
+          </p:nvPr>
+        </p:nvGraphicFramePr>
+        <p:xfrm>
+          <a:off x="5771503" y="1528818"/>
+          <a:ext cx="2416089" cy="1338142"/>
+        </p:xfrm>
+        <a:graphic>
+          <a:graphicData uri="http://schemas.openxmlformats.org/presentationml/2006/ole">
+            <mc:AlternateContent xmlns:mc="http://schemas.openxmlformats.org/markup-compatibility/2006">
+              <mc:Choice xmlns:v="urn:schemas-microsoft-com:vml" Requires="v">
+                <p:oleObj spid="_x0000_s407618" name="Equation" r:id="rId8" imgW="825500" imgH="457200" progId="Equation.DSMT4">
+                  <p:embed/>
+                </p:oleObj>
+              </mc:Choice>
+              <mc:Fallback>
+                <p:oleObj name="Equation" r:id="rId8" imgW="825500" imgH="457200" progId="Equation.DSMT4">
+                  <p:embed/>
+                  <p:pic>
+                    <p:nvPicPr>
+                      <p:cNvPr id="0" name=""/>
+                      <p:cNvPicPr/>
+                      <p:nvPr/>
+                    </p:nvPicPr>
+                    <p:blipFill>
+                      <a:blip r:embed="rId9"/>
+                      <a:stretch>
+                        <a:fillRect/>
+                      </a:stretch>
+                    </p:blipFill>
+                    <p:spPr>
+                      <a:xfrm>
+                        <a:off x="5771503" y="1528818"/>
+                        <a:ext cx="2416089" cy="1338142"/>
+                      </a:xfrm>
+                      <a:prstGeom prst="rect">
+                        <a:avLst/>
+                      </a:prstGeom>
+                    </p:spPr>
+                  </p:pic>
+                </p:oleObj>
+              </mc:Fallback>
+            </mc:AlternateContent>
+          </a:graphicData>
+        </a:graphic>
+      </p:graphicFrame>
     </p:spTree>
   </p:cSld>
   <p:clrMapOvr>
@@ -11826,7 +11923,7 @@
                             </p:stCondLst>
                             <p:childTnLst>
                               <p:par>
-                                <p:cTn id="5" presetID="22" presetClass="entr" presetSubtype="8" fill="hold" nodeType="clickEffect">
+                                <p:cTn id="5" presetID="22" presetClass="entr" presetSubtype="4" fill="hold" nodeType="clickEffect">
                                   <p:stCondLst>
                                     <p:cond delay="0"/>
                                   </p:stCondLst>
@@ -11834,6 +11931,112 @@
                                     <p:set>
                                       <p:cBhvr>
                                         <p:cTn id="6" dur="1" fill="hold">
+                                          <p:stCondLst>
+                                            <p:cond delay="0"/>
+                                          </p:stCondLst>
+                                        </p:cTn>
+                                        <p:tgtEl>
+                                          <p:spTgt spid="2"/>
+                                        </p:tgtEl>
+                                        <p:attrNameLst>
+                                          <p:attrName>style.visibility</p:attrName>
+                                        </p:attrNameLst>
+                                      </p:cBhvr>
+                                      <p:to>
+                                        <p:strVal val="visible"/>
+                                      </p:to>
+                                    </p:set>
+                                    <p:animEffect transition="in" filter="wipe(down)">
+                                      <p:cBhvr>
+                                        <p:cTn id="7" dur="1000"/>
+                                        <p:tgtEl>
+                                          <p:spTgt spid="2"/>
+                                        </p:tgtEl>
+                                      </p:cBhvr>
+                                    </p:animEffect>
+                                  </p:childTnLst>
+                                </p:cTn>
+                              </p:par>
+                            </p:childTnLst>
+                          </p:cTn>
+                        </p:par>
+                      </p:childTnLst>
+                    </p:cTn>
+                  </p:par>
+                  <p:par>
+                    <p:cTn id="8" fill="hold">
+                      <p:stCondLst>
+                        <p:cond delay="indefinite"/>
+                      </p:stCondLst>
+                      <p:childTnLst>
+                        <p:par>
+                          <p:cTn id="9" fill="hold">
+                            <p:stCondLst>
+                              <p:cond delay="0"/>
+                            </p:stCondLst>
+                            <p:childTnLst>
+                              <p:par>
+                                <p:cTn id="10" presetID="9" presetClass="entr" presetSubtype="0" fill="hold" grpId="0" nodeType="clickEffect">
+                                  <p:stCondLst>
+                                    <p:cond delay="0"/>
+                                  </p:stCondLst>
+                                  <p:childTnLst>
+                                    <p:set>
+                                      <p:cBhvr>
+                                        <p:cTn id="11" dur="1" fill="hold">
+                                          <p:stCondLst>
+                                            <p:cond delay="0"/>
+                                          </p:stCondLst>
+                                        </p:cTn>
+                                        <p:tgtEl>
+                                          <p:spTgt spid="19"/>
+                                        </p:tgtEl>
+                                        <p:attrNameLst>
+                                          <p:attrName>style.visibility</p:attrName>
+                                        </p:attrNameLst>
+                                      </p:cBhvr>
+                                      <p:to>
+                                        <p:strVal val="visible"/>
+                                      </p:to>
+                                    </p:set>
+                                    <p:animEffect transition="in" filter="dissolve">
+                                      <p:cBhvr>
+                                        <p:cTn id="12" dur="500"/>
+                                        <p:tgtEl>
+                                          <p:spTgt spid="19"/>
+                                        </p:tgtEl>
+                                      </p:cBhvr>
+                                    </p:animEffect>
+                                  </p:childTnLst>
+                                </p:cTn>
+                              </p:par>
+                            </p:childTnLst>
+                          </p:cTn>
+                        </p:par>
+                      </p:childTnLst>
+                    </p:cTn>
+                  </p:par>
+                  <p:par>
+                    <p:cTn id="13" fill="hold">
+                      <p:stCondLst>
+                        <p:cond delay="indefinite"/>
+                      </p:stCondLst>
+                      <p:childTnLst>
+                        <p:par>
+                          <p:cTn id="14" fill="hold">
+                            <p:stCondLst>
+                              <p:cond delay="0"/>
+                            </p:stCondLst>
+                            <p:childTnLst>
+                              <p:par>
+                                <p:cTn id="15" presetID="22" presetClass="entr" presetSubtype="8" fill="hold" nodeType="clickEffect">
+                                  <p:stCondLst>
+                                    <p:cond delay="0"/>
+                                  </p:stCondLst>
+                                  <p:childTnLst>
+                                    <p:set>
+                                      <p:cBhvr>
+                                        <p:cTn id="16" dur="1" fill="hold">
                                           <p:stCondLst>
                                             <p:cond delay="0"/>
                                           </p:stCondLst>
@@ -11851,7 +12054,7 @@
                                     </p:set>
                                     <p:animEffect transition="in" filter="wipe(left)">
                                       <p:cBhvr>
-                                        <p:cTn id="7" dur="2000"/>
+                                        <p:cTn id="17" dur="2000"/>
                                         <p:tgtEl>
                                           <p:spTgt spid="407556"/>
                                         </p:tgtEl>
@@ -11887,6 +12090,9 @@
         </p:cTn>
       </p:par>
     </p:tnLst>
+    <p:bldLst>
+      <p:bldP spid="19" grpId="0"/>
+    </p:bldLst>
   </p:timing>
 </p:sld>
 </file>
@@ -11998,7 +12204,7 @@
           <a:graphicData uri="http://schemas.openxmlformats.org/presentationml/2006/ole">
             <mc:AlternateContent xmlns:mc="http://schemas.openxmlformats.org/markup-compatibility/2006">
               <mc:Choice xmlns:v="urn:schemas-microsoft-com:vml" Requires="v">
-                <p:oleObj spid="_x0000_s294950" name="Equation" r:id="rId4" imgW="2387600" imgH="228600" progId="Equation.DSMT4">
+                <p:oleObj spid="_x0000_s294956" name="Equation" r:id="rId4" imgW="2387600" imgH="228600" progId="Equation.DSMT4">
                   <p:embed/>
                 </p:oleObj>
               </mc:Choice>
@@ -12175,7 +12381,9 @@
   <p:clrMapOvr>
     <a:masterClrMapping/>
   </p:clrMapOvr>
-  <p:transition xmlns:p14="http://schemas.microsoft.com/office/powerpoint/2010/main"/>
+  <p:transition xmlns:p14="http://schemas.microsoft.com/office/powerpoint/2010/main" spd="slow">
+    <p:fade thruBlk="1"/>
+  </p:transition>
   <p:timing>
     <p:tnLst>
       <p:par>
@@ -12197,7 +12405,7 @@
                             </p:stCondLst>
                             <p:childTnLst>
                               <p:par>
-                                <p:cTn id="5" presetID="1" presetClass="entr" presetSubtype="0" fill="hold" nodeType="clickEffect">
+                                <p:cTn id="5" presetID="22" presetClass="entr" presetSubtype="8" fill="hold" nodeType="clickEffect">
                                   <p:stCondLst>
                                     <p:cond delay="0"/>
                                   </p:stCondLst>
@@ -12220,6 +12428,14 @@
                                         <p:strVal val="visible"/>
                                       </p:to>
                                     </p:set>
+                                    <p:animEffect transition="in" filter="wipe(left)">
+                                      <p:cBhvr>
+                                        <p:cTn id="7" dur="500"/>
+                                        <p:tgtEl>
+                                          <p:spTgt spid="48140"/>
+                                        </p:tgtEl>
+                                      </p:cBhvr>
+                                    </p:animEffect>
                                   </p:childTnLst>
                                 </p:cTn>
                               </p:par>
@@ -12230,26 +12446,26 @@
                     </p:cTn>
                   </p:par>
                   <p:par>
-                    <p:cTn id="7" fill="hold">
+                    <p:cTn id="8" fill="hold">
                       <p:stCondLst>
                         <p:cond delay="indefinite"/>
                       </p:stCondLst>
                       <p:childTnLst>
                         <p:par>
-                          <p:cTn id="8" fill="hold">
+                          <p:cTn id="9" fill="hold">
                             <p:stCondLst>
                               <p:cond delay="0"/>
                             </p:stCondLst>
                             <p:childTnLst>
                               <p:par>
-                                <p:cTn id="9" presetID="1" presetClass="entr" presetSubtype="0" fill="hold" nodeType="clickEffect">
+                                <p:cTn id="10" presetID="9" presetClass="entr" presetSubtype="0" fill="hold" nodeType="clickEffect">
                                   <p:stCondLst>
                                     <p:cond delay="0"/>
                                   </p:stCondLst>
                                   <p:childTnLst>
                                     <p:set>
                                       <p:cBhvr>
-                                        <p:cTn id="10" dur="1" fill="hold">
+                                        <p:cTn id="11" dur="1" fill="hold">
                                           <p:stCondLst>
                                             <p:cond delay="0"/>
                                           </p:stCondLst>
@@ -12269,29 +12485,23 @@
                                         <p:strVal val="visible"/>
                                       </p:to>
                                     </p:set>
+                                    <p:animEffect transition="in" filter="dissolve">
+                                      <p:cBhvr>
+                                        <p:cTn id="12" dur="500"/>
+                                        <p:tgtEl>
+                                          <p:spTgt spid="48142">
+                                            <p:txEl>
+                                              <p:pRg st="0" end="0"/>
+                                            </p:txEl>
+                                          </p:spTgt>
+                                        </p:tgtEl>
+                                      </p:cBhvr>
+                                    </p:animEffect>
                                   </p:childTnLst>
                                 </p:cTn>
                               </p:par>
-                            </p:childTnLst>
-                          </p:cTn>
-                        </p:par>
-                      </p:childTnLst>
-                    </p:cTn>
-                  </p:par>
-                  <p:par>
-                    <p:cTn id="11" fill="hold">
-                      <p:stCondLst>
-                        <p:cond delay="indefinite"/>
-                      </p:stCondLst>
-                      <p:childTnLst>
-                        <p:par>
-                          <p:cTn id="12" fill="hold">
-                            <p:stCondLst>
-                              <p:cond delay="0"/>
-                            </p:stCondLst>
-                            <p:childTnLst>
                               <p:par>
-                                <p:cTn id="13" presetID="1" presetClass="entr" presetSubtype="0" fill="hold" nodeType="clickEffect">
+                                <p:cTn id="13" presetID="9" presetClass="entr" presetSubtype="0" fill="hold" nodeType="withEffect">
                                   <p:stCondLst>
                                     <p:cond delay="0"/>
                                   </p:stCondLst>
@@ -12318,6 +12528,18 @@
                                         <p:strVal val="visible"/>
                                       </p:to>
                                     </p:set>
+                                    <p:animEffect transition="in" filter="dissolve">
+                                      <p:cBhvr>
+                                        <p:cTn id="15" dur="500"/>
+                                        <p:tgtEl>
+                                          <p:spTgt spid="48142">
+                                            <p:txEl>
+                                              <p:pRg st="1" end="1"/>
+                                            </p:txEl>
+                                          </p:spTgt>
+                                        </p:tgtEl>
+                                      </p:cBhvr>
+                                    </p:animEffect>
                                   </p:childTnLst>
                                 </p:cTn>
                               </p:par>
@@ -12328,26 +12550,26 @@
                     </p:cTn>
                   </p:par>
                   <p:par>
-                    <p:cTn id="15" fill="hold">
+                    <p:cTn id="16" fill="hold">
                       <p:stCondLst>
                         <p:cond delay="indefinite"/>
                       </p:stCondLst>
                       <p:childTnLst>
                         <p:par>
-                          <p:cTn id="16" fill="hold">
+                          <p:cTn id="17" fill="hold">
                             <p:stCondLst>
                               <p:cond delay="0"/>
                             </p:stCondLst>
                             <p:childTnLst>
                               <p:par>
-                                <p:cTn id="17" presetID="1" presetClass="entr" presetSubtype="0" fill="hold" nodeType="clickEffect">
+                                <p:cTn id="18" presetID="9" presetClass="entr" presetSubtype="0" fill="hold" nodeType="clickEffect">
                                   <p:stCondLst>
                                     <p:cond delay="0"/>
                                   </p:stCondLst>
                                   <p:childTnLst>
                                     <p:set>
                                       <p:cBhvr>
-                                        <p:cTn id="18" dur="1" fill="hold">
+                                        <p:cTn id="19" dur="1" fill="hold">
                                           <p:stCondLst>
                                             <p:cond delay="0"/>
                                           </p:stCondLst>
@@ -12367,29 +12589,23 @@
                                         <p:strVal val="visible"/>
                                       </p:to>
                                     </p:set>
+                                    <p:animEffect transition="in" filter="dissolve">
+                                      <p:cBhvr>
+                                        <p:cTn id="20" dur="500"/>
+                                        <p:tgtEl>
+                                          <p:spTgt spid="48142">
+                                            <p:txEl>
+                                              <p:pRg st="2" end="2"/>
+                                            </p:txEl>
+                                          </p:spTgt>
+                                        </p:tgtEl>
+                                      </p:cBhvr>
+                                    </p:animEffect>
                                   </p:childTnLst>
                                 </p:cTn>
                               </p:par>
-                            </p:childTnLst>
-                          </p:cTn>
-                        </p:par>
-                      </p:childTnLst>
-                    </p:cTn>
-                  </p:par>
-                  <p:par>
-                    <p:cTn id="19" fill="hold">
-                      <p:stCondLst>
-                        <p:cond delay="indefinite"/>
-                      </p:stCondLst>
-                      <p:childTnLst>
-                        <p:par>
-                          <p:cTn id="20" fill="hold">
-                            <p:stCondLst>
-                              <p:cond delay="0"/>
-                            </p:stCondLst>
-                            <p:childTnLst>
                               <p:par>
-                                <p:cTn id="21" presetID="1" presetClass="entr" presetSubtype="0" fill="hold" nodeType="clickEffect">
+                                <p:cTn id="21" presetID="9" presetClass="entr" presetSubtype="0" fill="hold" nodeType="withEffect">
                                   <p:stCondLst>
                                     <p:cond delay="0"/>
                                   </p:stCondLst>
@@ -12416,6 +12632,18 @@
                                         <p:strVal val="visible"/>
                                       </p:to>
                                     </p:set>
+                                    <p:animEffect transition="in" filter="dissolve">
+                                      <p:cBhvr>
+                                        <p:cTn id="23" dur="500"/>
+                                        <p:tgtEl>
+                                          <p:spTgt spid="48142">
+                                            <p:txEl>
+                                              <p:pRg st="3" end="3"/>
+                                            </p:txEl>
+                                          </p:spTgt>
+                                        </p:tgtEl>
+                                      </p:cBhvr>
+                                    </p:animEffect>
                                   </p:childTnLst>
                                 </p:cTn>
                               </p:par>
@@ -12991,7 +13219,7 @@
           <a:graphicData uri="http://schemas.openxmlformats.org/presentationml/2006/ole">
             <mc:AlternateContent xmlns:mc="http://schemas.openxmlformats.org/markup-compatibility/2006">
               <mc:Choice xmlns:v="urn:schemas-microsoft-com:vml" Requires="v">
-                <p:oleObj spid="_x0000_s564238" name="Equation" r:id="rId4" imgW="2387600" imgH="228600" progId="Equation.DSMT4">
+                <p:oleObj spid="_x0000_s564255" name="Equation" r:id="rId4" imgW="2387600" imgH="228600" progId="Equation.DSMT4">
                   <p:embed/>
                 </p:oleObj>
               </mc:Choice>
@@ -13075,7 +13303,7 @@
             <a:graphicData uri="http://schemas.openxmlformats.org/presentationml/2006/ole">
               <mc:AlternateContent xmlns:mc="http://schemas.openxmlformats.org/markup-compatibility/2006">
                 <mc:Choice xmlns:v="urn:schemas-microsoft-com:vml" Requires="v">
-                  <p:oleObj spid="_x0000_s564239" name="Equation" r:id="rId6" imgW="812800" imgH="393700" progId="Equation.DSMT4">
+                  <p:oleObj spid="_x0000_s564256" name="Equation" r:id="rId6" imgW="812800" imgH="393700" progId="Equation.DSMT4">
                     <p:embed/>
                   </p:oleObj>
                 </mc:Choice>
@@ -13145,7 +13373,7 @@
             <a:graphicData uri="http://schemas.openxmlformats.org/presentationml/2006/ole">
               <mc:AlternateContent xmlns:mc="http://schemas.openxmlformats.org/markup-compatibility/2006">
                 <mc:Choice xmlns:v="urn:schemas-microsoft-com:vml" Requires="v">
-                  <p:oleObj spid="_x0000_s564240" name="Equation" r:id="rId8" imgW="812800" imgH="393700" progId="Equation.DSMT4">
+                  <p:oleObj spid="_x0000_s564257" name="Equation" r:id="rId8" imgW="812800" imgH="393700" progId="Equation.DSMT4">
                     <p:embed/>
                   </p:oleObj>
                 </mc:Choice>
@@ -13344,7 +13572,18 @@
   <p:clrMapOvr>
     <a:masterClrMapping/>
   </p:clrMapOvr>
-  <p:transition xmlns:p14="http://schemas.microsoft.com/office/powerpoint/2010/main"/>
+  <mc:AlternateContent xmlns:mc="http://schemas.openxmlformats.org/markup-compatibility/2006" xmlns:p14="http://schemas.microsoft.com/office/powerpoint/2010/main">
+    <mc:Choice Requires="p14">
+      <p:transition spd="med" p14:dur="700" advClick="0" advTm="0">
+        <p:fade/>
+      </p:transition>
+    </mc:Choice>
+    <mc:Fallback xmlns="">
+      <p:transition xmlns:p14="http://schemas.microsoft.com/office/powerpoint/2010/main" spd="med" advClick="0" advTm="0">
+        <p:fade/>
+      </p:transition>
+    </mc:Fallback>
+  </mc:AlternateContent>
   <p:timing>
     <p:tnLst>
       <p:par>
@@ -13366,7 +13605,7 @@
                             </p:stCondLst>
                             <p:childTnLst>
                               <p:par>
-                                <p:cTn id="5" presetID="1" presetClass="entr" presetSubtype="0" fill="hold" nodeType="clickEffect">
+                                <p:cTn id="5" presetID="19" presetClass="entr" presetSubtype="10" fill="hold" nodeType="clickEffect">
                                   <p:stCondLst>
                                     <p:cond delay="0"/>
                                   </p:stCondLst>
@@ -13379,7 +13618,7 @@
                                           </p:stCondLst>
                                         </p:cTn>
                                         <p:tgtEl>
-                                          <p:spTgt spid="48140"/>
+                                          <p:spTgt spid="6"/>
                                         </p:tgtEl>
                                         <p:attrNameLst>
                                           <p:attrName>style.visibility</p:attrName>
@@ -13389,6 +13628,52 @@
                                         <p:strVal val="visible"/>
                                       </p:to>
                                     </p:set>
+                                    <p:anim calcmode="lin" valueType="num">
+                                      <p:cBhvr>
+                                        <p:cTn id="7" dur="5000" fill="hold"/>
+                                        <p:tgtEl>
+                                          <p:spTgt spid="6"/>
+                                        </p:tgtEl>
+                                        <p:attrNameLst>
+                                          <p:attrName>ppt_w</p:attrName>
+                                        </p:attrNameLst>
+                                      </p:cBhvr>
+                                      <p:tavLst>
+                                        <p:tav tm="0" fmla="#ppt_w*sin(2.5*pi*$)">
+                                          <p:val>
+                                            <p:fltVal val="0"/>
+                                          </p:val>
+                                        </p:tav>
+                                        <p:tav tm="100000">
+                                          <p:val>
+                                            <p:fltVal val="1"/>
+                                          </p:val>
+                                        </p:tav>
+                                      </p:tavLst>
+                                    </p:anim>
+                                    <p:anim calcmode="lin" valueType="num">
+                                      <p:cBhvr>
+                                        <p:cTn id="8" dur="5000" fill="hold"/>
+                                        <p:tgtEl>
+                                          <p:spTgt spid="6"/>
+                                        </p:tgtEl>
+                                        <p:attrNameLst>
+                                          <p:attrName>ppt_h</p:attrName>
+                                        </p:attrNameLst>
+                                      </p:cBhvr>
+                                      <p:tavLst>
+                                        <p:tav tm="0">
+                                          <p:val>
+                                            <p:strVal val="#ppt_h"/>
+                                          </p:val>
+                                        </p:tav>
+                                        <p:tav tm="100000">
+                                          <p:val>
+                                            <p:strVal val="#ppt_h"/>
+                                          </p:val>
+                                        </p:tav>
+                                      </p:tavLst>
+                                    </p:anim>
                                   </p:childTnLst>
                                 </p:cTn>
                               </p:par>
@@ -13530,7 +13815,7 @@
           <a:graphicData uri="http://schemas.openxmlformats.org/presentationml/2006/ole">
             <mc:AlternateContent xmlns:mc="http://schemas.openxmlformats.org/markup-compatibility/2006">
               <mc:Choice xmlns:v="urn:schemas-microsoft-com:vml" Requires="v">
-                <p:oleObj spid="_x0000_s565262" name="Equation" r:id="rId4" imgW="2413000" imgH="228600" progId="Equation.DSMT4">
+                <p:oleObj spid="_x0000_s565276" name="Equation" r:id="rId4" imgW="2413000" imgH="228600" progId="Equation.DSMT4">
                   <p:embed/>
                 </p:oleObj>
               </mc:Choice>
@@ -13578,243 +13863,6 @@
           </a:graphicData>
         </a:graphic>
       </p:graphicFrame>
-      <p:grpSp>
-        <p:nvGrpSpPr>
-          <p:cNvPr id="6" name="Group 5"/>
-          <p:cNvGrpSpPr/>
-          <p:nvPr/>
-        </p:nvGrpSpPr>
-        <p:grpSpPr>
-          <a:xfrm>
-            <a:off x="342900" y="2916238"/>
-            <a:ext cx="6018213" cy="1639887"/>
-            <a:chOff x="342900" y="2925763"/>
-            <a:chExt cx="6018213" cy="1639887"/>
-          </a:xfrm>
-        </p:grpSpPr>
-        <p:graphicFrame>
-          <p:nvGraphicFramePr>
-            <p:cNvPr id="7" name="Object 15"/>
-            <p:cNvGraphicFramePr>
-              <a:graphicFrameLocks noChangeAspect="1"/>
-            </p:cNvGraphicFramePr>
-            <p:nvPr>
-              <p:extLst>
-                <p:ext uri="{D42A27DB-BD31-4B8C-83A1-F6EECF244321}">
-                  <p14:modId xmlns:p14="http://schemas.microsoft.com/office/powerpoint/2010/main" val="3641329491"/>
-                </p:ext>
-              </p:extLst>
-            </p:nvPr>
-          </p:nvGraphicFramePr>
-          <p:xfrm>
-            <a:off x="342900" y="2925763"/>
-            <a:ext cx="2957513" cy="1431925"/>
-          </p:xfrm>
-          <a:graphic>
-            <a:graphicData uri="http://schemas.openxmlformats.org/presentationml/2006/ole">
-              <mc:AlternateContent xmlns:mc="http://schemas.openxmlformats.org/markup-compatibility/2006">
-                <mc:Choice xmlns:v="urn:schemas-microsoft-com:vml" Requires="v">
-                  <p:oleObj spid="_x0000_s565263" name="Equation" r:id="rId6" imgW="812800" imgH="393700" progId="Equation.DSMT4">
-                    <p:embed/>
-                  </p:oleObj>
-                </mc:Choice>
-                <mc:Fallback>
-                  <p:oleObj name="Equation" r:id="rId6" imgW="812800" imgH="393700" progId="Equation.DSMT4">
-                    <p:embed/>
-                    <p:pic>
-                      <p:nvPicPr>
-                        <p:cNvPr id="0" name=""/>
-                        <p:cNvPicPr>
-                          <a:picLocks noChangeAspect="1" noChangeArrowheads="1"/>
-                        </p:cNvPicPr>
-                        <p:nvPr/>
-                      </p:nvPicPr>
-                      <p:blipFill>
-                        <a:blip r:embed="rId7"/>
-                        <a:srcRect/>
-                        <a:stretch>
-                          <a:fillRect/>
-                        </a:stretch>
-                      </p:blipFill>
-                      <p:spPr bwMode="auto">
-                        <a:xfrm>
-                          <a:off x="342900" y="2925763"/>
-                          <a:ext cx="2957513" cy="1431925"/>
-                        </a:xfrm>
-                        <a:prstGeom prst="rect">
-                          <a:avLst/>
-                        </a:prstGeom>
-                        <a:noFill/>
-                        <a:extLst>
-                          <a:ext uri="{909E8E84-426E-40dd-AFC4-6F175D3DCCD1}">
-                            <a14:hiddenFill xmlns:a14="http://schemas.microsoft.com/office/drawing/2010/main">
-                              <a:solidFill>
-                                <a:srgbClr val="FFFFFF"/>
-                              </a:solidFill>
-                            </a14:hiddenFill>
-                          </a:ext>
-                        </a:extLst>
-                      </p:spPr>
-                    </p:pic>
-                  </p:oleObj>
-                </mc:Fallback>
-              </mc:AlternateContent>
-            </a:graphicData>
-          </a:graphic>
-        </p:graphicFrame>
-        <p:graphicFrame>
-          <p:nvGraphicFramePr>
-            <p:cNvPr id="8" name="Object 16"/>
-            <p:cNvGraphicFramePr>
-              <a:graphicFrameLocks noChangeAspect="1"/>
-            </p:cNvGraphicFramePr>
-            <p:nvPr>
-              <p:extLst>
-                <p:ext uri="{D42A27DB-BD31-4B8C-83A1-F6EECF244321}">
-                  <p14:modId xmlns:p14="http://schemas.microsoft.com/office/powerpoint/2010/main" val="3238638275"/>
-                </p:ext>
-              </p:extLst>
-            </p:nvPr>
-          </p:nvGraphicFramePr>
-          <p:xfrm>
-            <a:off x="3403600" y="2925763"/>
-            <a:ext cx="2957513" cy="1431925"/>
-          </p:xfrm>
-          <a:graphic>
-            <a:graphicData uri="http://schemas.openxmlformats.org/presentationml/2006/ole">
-              <mc:AlternateContent xmlns:mc="http://schemas.openxmlformats.org/markup-compatibility/2006">
-                <mc:Choice xmlns:v="urn:schemas-microsoft-com:vml" Requires="v">
-                  <p:oleObj spid="_x0000_s565264" name="Equation" r:id="rId8" imgW="812800" imgH="393700" progId="Equation.DSMT4">
-                    <p:embed/>
-                  </p:oleObj>
-                </mc:Choice>
-                <mc:Fallback>
-                  <p:oleObj name="Equation" r:id="rId8" imgW="812800" imgH="393700" progId="Equation.DSMT4">
-                    <p:embed/>
-                    <p:pic>
-                      <p:nvPicPr>
-                        <p:cNvPr id="0" name=""/>
-                        <p:cNvPicPr>
-                          <a:picLocks noChangeAspect="1" noChangeArrowheads="1"/>
-                        </p:cNvPicPr>
-                        <p:nvPr/>
-                      </p:nvPicPr>
-                      <p:blipFill>
-                        <a:blip r:embed="rId9"/>
-                        <a:srcRect/>
-                        <a:stretch>
-                          <a:fillRect/>
-                        </a:stretch>
-                      </p:blipFill>
-                      <p:spPr bwMode="auto">
-                        <a:xfrm>
-                          <a:off x="3403600" y="2925763"/>
-                          <a:ext cx="2957513" cy="1431925"/>
-                        </a:xfrm>
-                        <a:prstGeom prst="rect">
-                          <a:avLst/>
-                        </a:prstGeom>
-                        <a:noFill/>
-                        <a:extLst>
-                          <a:ext uri="{909E8E84-426E-40dd-AFC4-6F175D3DCCD1}">
-                            <a14:hiddenFill xmlns:a14="http://schemas.microsoft.com/office/drawing/2010/main">
-                              <a:solidFill>
-                                <a:srgbClr val="FFFFFF"/>
-                              </a:solidFill>
-                            </a14:hiddenFill>
-                          </a:ext>
-                        </a:extLst>
-                      </p:spPr>
-                    </p:pic>
-                  </p:oleObj>
-                </mc:Fallback>
-              </mc:AlternateContent>
-            </a:graphicData>
-          </a:graphic>
-        </p:graphicFrame>
-        <p:sp>
-          <p:nvSpPr>
-            <p:cNvPr id="9" name="Freeform 21"/>
-            <p:cNvSpPr>
-              <a:spLocks/>
-            </p:cNvSpPr>
-            <p:nvPr/>
-          </p:nvSpPr>
-          <p:spPr bwMode="auto">
-            <a:xfrm>
-              <a:off x="1816100" y="3873500"/>
-              <a:ext cx="3086100" cy="692150"/>
-            </a:xfrm>
-            <a:custGeom>
-              <a:avLst/>
-              <a:gdLst/>
-              <a:ahLst/>
-              <a:cxnLst>
-                <a:cxn ang="0">
-                  <a:pos x="0" y="0"/>
-                </a:cxn>
-                <a:cxn ang="0">
-                  <a:pos x="480" y="368"/>
-                </a:cxn>
-                <a:cxn ang="0">
-                  <a:pos x="1000" y="408"/>
-                </a:cxn>
-                <a:cxn ang="0">
-                  <a:pos x="1448" y="368"/>
-                </a:cxn>
-                <a:cxn ang="0">
-                  <a:pos x="1944" y="0"/>
-                </a:cxn>
-              </a:cxnLst>
-              <a:rect l="0" t="0" r="r" b="b"/>
-              <a:pathLst>
-                <a:path w="1944" h="436">
-                  <a:moveTo>
-                    <a:pt x="0" y="0"/>
-                  </a:moveTo>
-                  <a:cubicBezTo>
-                    <a:pt x="156" y="150"/>
-                    <a:pt x="313" y="300"/>
-                    <a:pt x="480" y="368"/>
-                  </a:cubicBezTo>
-                  <a:cubicBezTo>
-                    <a:pt x="647" y="436"/>
-                    <a:pt x="839" y="408"/>
-                    <a:pt x="1000" y="408"/>
-                  </a:cubicBezTo>
-                  <a:cubicBezTo>
-                    <a:pt x="1161" y="408"/>
-                    <a:pt x="1291" y="436"/>
-                    <a:pt x="1448" y="368"/>
-                  </a:cubicBezTo>
-                  <a:cubicBezTo>
-                    <a:pt x="1605" y="300"/>
-                    <a:pt x="1861" y="64"/>
-                    <a:pt x="1944" y="0"/>
-                  </a:cubicBezTo>
-                </a:path>
-              </a:pathLst>
-            </a:custGeom>
-            <a:noFill/>
-            <a:ln w="34925">
-              <a:solidFill>
-                <a:srgbClr val="008000"/>
-              </a:solidFill>
-              <a:round/>
-              <a:headEnd type="stealth" w="lg" len="lg"/>
-              <a:tailEnd type="stealth" w="lg" len="lg"/>
-            </a:ln>
-            <a:effectLst/>
-          </p:spPr>
-          <p:txBody>
-            <a:bodyPr/>
-            <a:lstStyle/>
-            <a:p>
-              <a:endParaRPr lang="en-US"/>
-            </a:p>
-          </p:txBody>
-        </p:sp>
-      </p:grpSp>
       <p:sp>
         <p:nvSpPr>
           <p:cNvPr id="10" name="Text Box 22"/>
@@ -13883,79 +13931,22 @@
   <p:clrMapOvr>
     <a:masterClrMapping/>
   </p:clrMapOvr>
-  <p:transition xmlns:p14="http://schemas.microsoft.com/office/powerpoint/2010/main"/>
+  <mc:AlternateContent xmlns:mc="http://schemas.openxmlformats.org/markup-compatibility/2006" xmlns:p14="http://schemas.microsoft.com/office/powerpoint/2010/main">
+    <mc:Choice Requires="p14">
+      <p:transition spd="med" p14:dur="700" advClick="0" advTm="2000">
+        <p:fade/>
+      </p:transition>
+    </mc:Choice>
+    <mc:Fallback xmlns="">
+      <p:transition xmlns:p14="http://schemas.microsoft.com/office/powerpoint/2010/main" spd="med" advClick="0" advTm="2000">
+        <p:fade/>
+      </p:transition>
+    </mc:Fallback>
+  </mc:AlternateContent>
   <p:timing>
     <p:tnLst>
       <p:par>
-        <p:cTn xmlns:p14="http://schemas.microsoft.com/office/powerpoint/2010/main" id="1" dur="indefinite" restart="never" nodeType="tmRoot">
-          <p:childTnLst>
-            <p:seq concurrent="1" nextAc="seek">
-              <p:cTn id="2" dur="indefinite" nodeType="mainSeq">
-                <p:childTnLst>
-                  <p:par>
-                    <p:cTn id="3" fill="hold">
-                      <p:stCondLst>
-                        <p:cond delay="indefinite"/>
-                      </p:stCondLst>
-                      <p:childTnLst>
-                        <p:par>
-                          <p:cTn id="4" fill="hold">
-                            <p:stCondLst>
-                              <p:cond delay="0"/>
-                            </p:stCondLst>
-                            <p:childTnLst>
-                              <p:par>
-                                <p:cTn id="5" presetID="1" presetClass="entr" presetSubtype="0" fill="hold" nodeType="clickEffect">
-                                  <p:stCondLst>
-                                    <p:cond delay="0"/>
-                                  </p:stCondLst>
-                                  <p:childTnLst>
-                                    <p:set>
-                                      <p:cBhvr>
-                                        <p:cTn id="6" dur="1" fill="hold">
-                                          <p:stCondLst>
-                                            <p:cond delay="0"/>
-                                          </p:stCondLst>
-                                        </p:cTn>
-                                        <p:tgtEl>
-                                          <p:spTgt spid="48140"/>
-                                        </p:tgtEl>
-                                        <p:attrNameLst>
-                                          <p:attrName>style.visibility</p:attrName>
-                                        </p:attrNameLst>
-                                      </p:cBhvr>
-                                      <p:to>
-                                        <p:strVal val="visible"/>
-                                      </p:to>
-                                    </p:set>
-                                  </p:childTnLst>
-                                </p:cTn>
-                              </p:par>
-                            </p:childTnLst>
-                          </p:cTn>
-                        </p:par>
-                      </p:childTnLst>
-                    </p:cTn>
-                  </p:par>
-                </p:childTnLst>
-              </p:cTn>
-              <p:prevCondLst>
-                <p:cond evt="onPrev" delay="0">
-                  <p:tgtEl>
-                    <p:sldTgt/>
-                  </p:tgtEl>
-                </p:cond>
-              </p:prevCondLst>
-              <p:nextCondLst>
-                <p:cond evt="onNext" delay="0">
-                  <p:tgtEl>
-                    <p:sldTgt/>
-                  </p:tgtEl>
-                </p:cond>
-              </p:nextCondLst>
-            </p:seq>
-          </p:childTnLst>
-        </p:cTn>
+        <p:cTn xmlns:p14="http://schemas.microsoft.com/office/powerpoint/2010/main" id="1" dur="indefinite" restart="never" nodeType="tmRoot"/>
       </p:par>
     </p:tnLst>
   </p:timing>
@@ -14069,7 +14060,7 @@
           <a:graphicData uri="http://schemas.openxmlformats.org/presentationml/2006/ole">
             <mc:AlternateContent xmlns:mc="http://schemas.openxmlformats.org/markup-compatibility/2006">
               <mc:Choice xmlns:v="urn:schemas-microsoft-com:vml" Requires="v">
-                <p:oleObj spid="_x0000_s566278" name="Equation" r:id="rId4" imgW="2413000" imgH="228600" progId="Equation.DSMT4">
+                <p:oleObj spid="_x0000_s566284" name="Equation" r:id="rId4" imgW="2413000" imgH="228600" progId="Equation.DSMT4">
                   <p:embed/>
                 </p:oleObj>
               </mc:Choice>
@@ -14204,129 +14195,24 @@
   <p:clrMapOvr>
     <a:masterClrMapping/>
   </p:clrMapOvr>
-  <p:transition xmlns:p14="http://schemas.microsoft.com/office/powerpoint/2010/main"/>
+  <mc:AlternateContent xmlns:mc="http://schemas.openxmlformats.org/markup-compatibility/2006" xmlns:p14="http://schemas.microsoft.com/office/powerpoint/2010/main">
+    <mc:Choice Requires="p14">
+      <p:transition spd="med" p14:dur="700">
+        <p:fade/>
+      </p:transition>
+    </mc:Choice>
+    <mc:Fallback xmlns="">
+      <p:transition xmlns:p14="http://schemas.microsoft.com/office/powerpoint/2010/main" spd="med">
+        <p:fade/>
+      </p:transition>
+    </mc:Fallback>
+  </mc:AlternateContent>
   <p:timing>
     <p:tnLst>
       <p:par>
-        <p:cTn xmlns:p14="http://schemas.microsoft.com/office/powerpoint/2010/main" id="1" dur="indefinite" restart="never" nodeType="tmRoot">
-          <p:childTnLst>
-            <p:seq concurrent="1" nextAc="seek">
-              <p:cTn id="2" dur="indefinite" nodeType="mainSeq">
-                <p:childTnLst>
-                  <p:par>
-                    <p:cTn id="3" fill="hold">
-                      <p:stCondLst>
-                        <p:cond delay="indefinite"/>
-                      </p:stCondLst>
-                      <p:childTnLst>
-                        <p:par>
-                          <p:cTn id="4" fill="hold">
-                            <p:stCondLst>
-                              <p:cond delay="0"/>
-                            </p:stCondLst>
-                            <p:childTnLst>
-                              <p:par>
-                                <p:cTn id="5" presetID="1" presetClass="entr" presetSubtype="0" fill="hold" nodeType="clickEffect">
-                                  <p:stCondLst>
-                                    <p:cond delay="0"/>
-                                  </p:stCondLst>
-                                  <p:childTnLst>
-                                    <p:set>
-                                      <p:cBhvr>
-                                        <p:cTn id="6" dur="1" fill="hold">
-                                          <p:stCondLst>
-                                            <p:cond delay="0"/>
-                                          </p:stCondLst>
-                                        </p:cTn>
-                                        <p:tgtEl>
-                                          <p:spTgt spid="48140"/>
-                                        </p:tgtEl>
-                                        <p:attrNameLst>
-                                          <p:attrName>style.visibility</p:attrName>
-                                        </p:attrNameLst>
-                                      </p:cBhvr>
-                                      <p:to>
-                                        <p:strVal val="visible"/>
-                                      </p:to>
-                                    </p:set>
-                                  </p:childTnLst>
-                                </p:cTn>
-                              </p:par>
-                            </p:childTnLst>
-                          </p:cTn>
-                        </p:par>
-                      </p:childTnLst>
-                    </p:cTn>
-                  </p:par>
-                  <p:par>
-                    <p:cTn id="7" fill="hold">
-                      <p:stCondLst>
-                        <p:cond delay="indefinite"/>
-                      </p:stCondLst>
-                      <p:childTnLst>
-                        <p:par>
-                          <p:cTn id="8" fill="hold">
-                            <p:stCondLst>
-                              <p:cond delay="0"/>
-                            </p:stCondLst>
-                            <p:childTnLst>
-                              <p:par>
-                                <p:cTn id="9" presetID="1" presetClass="entr" presetSubtype="0" fill="hold" grpId="0" nodeType="clickEffect">
-                                  <p:stCondLst>
-                                    <p:cond delay="0"/>
-                                  </p:stCondLst>
-                                  <p:childTnLst>
-                                    <p:set>
-                                      <p:cBhvr>
-                                        <p:cTn id="10" dur="1" fill="hold">
-                                          <p:stCondLst>
-                                            <p:cond delay="0"/>
-                                          </p:stCondLst>
-                                        </p:cTn>
-                                        <p:tgtEl>
-                                          <p:spTgt spid="11"/>
-                                        </p:tgtEl>
-                                        <p:attrNameLst>
-                                          <p:attrName>style.visibility</p:attrName>
-                                        </p:attrNameLst>
-                                      </p:cBhvr>
-                                      <p:to>
-                                        <p:strVal val="visible"/>
-                                      </p:to>
-                                    </p:set>
-                                  </p:childTnLst>
-                                </p:cTn>
-                              </p:par>
-                            </p:childTnLst>
-                          </p:cTn>
-                        </p:par>
-                      </p:childTnLst>
-                    </p:cTn>
-                  </p:par>
-                </p:childTnLst>
-              </p:cTn>
-              <p:prevCondLst>
-                <p:cond evt="onPrev" delay="0">
-                  <p:tgtEl>
-                    <p:sldTgt/>
-                  </p:tgtEl>
-                </p:cond>
-              </p:prevCondLst>
-              <p:nextCondLst>
-                <p:cond evt="onNext" delay="0">
-                  <p:tgtEl>
-                    <p:sldTgt/>
-                  </p:tgtEl>
-                </p:cond>
-              </p:nextCondLst>
-            </p:seq>
-          </p:childTnLst>
-        </p:cTn>
+        <p:cTn xmlns:p14="http://schemas.microsoft.com/office/powerpoint/2010/main" id="1" dur="indefinite" restart="never" nodeType="tmRoot"/>
       </p:par>
     </p:tnLst>
-    <p:bldLst>
-      <p:bldP spid="11" grpId="0"/>
-    </p:bldLst>
   </p:timing>
 </p:sld>
 </file>
@@ -14457,7 +14343,7 @@
           <a:graphicData uri="http://schemas.openxmlformats.org/presentationml/2006/ole">
             <mc:AlternateContent xmlns:mc="http://schemas.openxmlformats.org/markup-compatibility/2006">
               <mc:Choice xmlns:v="urn:schemas-microsoft-com:vml" Requires="v">
-                <p:oleObj spid="_x0000_s298028" name="Equation" r:id="rId4" imgW="914400" imgH="198720" progId="Equation.DSMT4">
+                <p:oleObj spid="_x0000_s298036" name="Equation" r:id="rId4" imgW="914400" imgH="198720" progId="Equation.DSMT4">
                   <p:embed/>
                 </p:oleObj>
               </mc:Choice>
@@ -14533,7 +14419,7 @@
           <a:graphicData uri="http://schemas.openxmlformats.org/presentationml/2006/ole">
             <mc:AlternateContent xmlns:mc="http://schemas.openxmlformats.org/markup-compatibility/2006">
               <mc:Choice xmlns:v="urn:schemas-microsoft-com:vml" Requires="v">
-                <p:oleObj spid="_x0000_s298029" name="Equation" r:id="rId6" imgW="2146300" imgH="215900" progId="Equation.DSMT4">
+                <p:oleObj spid="_x0000_s298037" name="Equation" r:id="rId6" imgW="2146300" imgH="215900" progId="Equation.DSMT4">
                   <p:embed/>
                 </p:oleObj>
               </mc:Choice>
@@ -14664,7 +14550,7 @@
           <a:graphicData uri="http://schemas.openxmlformats.org/presentationml/2006/ole">
             <mc:AlternateContent xmlns:mc="http://schemas.openxmlformats.org/markup-compatibility/2006">
               <mc:Choice xmlns:v="urn:schemas-microsoft-com:vml" Requires="v">
-                <p:oleObj spid="_x0000_s299066" name="Equation" r:id="rId4" imgW="914400" imgH="198720" progId="Equation.DSMT4">
+                <p:oleObj spid="_x0000_s299080" name="Equation" r:id="rId4" imgW="914400" imgH="198720" progId="Equation.DSMT4">
                   <p:embed/>
                 </p:oleObj>
               </mc:Choice>
@@ -14734,7 +14620,7 @@
           <a:graphicData uri="http://schemas.openxmlformats.org/presentationml/2006/ole">
             <mc:AlternateContent xmlns:mc="http://schemas.openxmlformats.org/markup-compatibility/2006">
               <mc:Choice xmlns:v="urn:schemas-microsoft-com:vml" Requires="v">
-                <p:oleObj spid="_x0000_s299067" name="Equation" r:id="rId6" imgW="914400" imgH="198720" progId="Equation.DSMT4">
+                <p:oleObj spid="_x0000_s299081" name="Equation" r:id="rId6" imgW="914400" imgH="198720" progId="Equation.DSMT4">
                   <p:embed/>
                 </p:oleObj>
               </mc:Choice>
@@ -14863,7 +14749,7 @@
           <a:graphicData uri="http://schemas.openxmlformats.org/presentationml/2006/ole">
             <mc:AlternateContent xmlns:mc="http://schemas.openxmlformats.org/markup-compatibility/2006">
               <mc:Choice xmlns:v="urn:schemas-microsoft-com:vml" Requires="v">
-                <p:oleObj spid="_x0000_s299068" name="Equation" r:id="rId8" imgW="2032000" imgH="457200" progId="Equation.DSMT4">
+                <p:oleObj spid="_x0000_s299082" name="Equation" r:id="rId8" imgW="2032000" imgH="457200" progId="Equation.DSMT4">
                   <p:embed/>
                 </p:oleObj>
               </mc:Choice>
@@ -14946,7 +14832,7 @@
                             </p:stCondLst>
                             <p:childTnLst>
                               <p:par>
-                                <p:cTn id="5" presetID="22" presetClass="entr" presetSubtype="8" fill="hold" nodeType="clickEffect">
+                                <p:cTn id="5" presetID="22" presetClass="entr" presetSubtype="1" fill="hold" nodeType="clickEffect">
                                   <p:stCondLst>
                                     <p:cond delay="0"/>
                                   </p:stCondLst>
@@ -14969,9 +14855,9 @@
                                         <p:strVal val="visible"/>
                                       </p:to>
                                     </p:set>
-                                    <p:animEffect transition="in" filter="wipe(left)">
+                                    <p:animEffect transition="in" filter="wipe(up)">
                                       <p:cBhvr>
-                                        <p:cTn id="7" dur="500"/>
+                                        <p:cTn id="7" dur="1000"/>
                                         <p:tgtEl>
                                           <p:spTgt spid="12"/>
                                         </p:tgtEl>
@@ -15012,365 +14898,6 @@
 </file>
 
 <file path=ppt/slides/slide25.xml><?xml version="1.0" encoding="utf-8"?>
-<p:sld xmlns:a="http://schemas.openxmlformats.org/drawingml/2006/main" xmlns:r="http://schemas.openxmlformats.org/officeDocument/2006/relationships" xmlns:p="http://schemas.openxmlformats.org/presentationml/2006/main">
-  <p:cSld>
-    <p:spTree>
-      <p:nvGrpSpPr>
-        <p:cNvPr id="1" name=""/>
-        <p:cNvGrpSpPr/>
-        <p:nvPr/>
-      </p:nvGrpSpPr>
-      <p:grpSpPr>
-        <a:xfrm>
-          <a:off x="0" y="0"/>
-          <a:ext cx="0" cy="0"/>
-          <a:chOff x="0" y="0"/>
-          <a:chExt cx="0" cy="0"/>
-        </a:xfrm>
-      </p:grpSpPr>
-      <p:sp>
-        <p:nvSpPr>
-          <p:cNvPr id="70661" name="Rectangle 5"/>
-          <p:cNvSpPr>
-            <a:spLocks noGrp="1" noChangeArrowheads="1"/>
-          </p:cNvSpPr>
-          <p:nvPr>
-            <p:ph type="title"/>
-          </p:nvPr>
-        </p:nvSpPr>
-        <p:spPr>
-          <a:xfrm>
-            <a:off x="1295899" y="265728"/>
-            <a:ext cx="7502769" cy="1062892"/>
-          </a:xfrm>
-          <a:noFill/>
-          <a:ln/>
-        </p:spPr>
-        <p:txBody>
-          <a:bodyPr/>
-          <a:lstStyle/>
-          <a:p>
-            <a:r>
-              <a:rPr lang="en-US" sz="3600" dirty="0" err="1" smtClean="0">
-                <a:solidFill>
-                  <a:schemeClr val="tx1"/>
-                </a:solidFill>
-              </a:rPr>
-              <a:t>DeMorgan’s</a:t>
-            </a:r>
-            <a:r>
-              <a:rPr lang="en-US" sz="3600" dirty="0" smtClean="0">
-                <a:solidFill>
-                  <a:schemeClr val="tx1"/>
-                </a:solidFill>
-              </a:rPr>
-              <a:t> Law for Quantifiers</a:t>
-            </a:r>
-            <a:endParaRPr lang="en-US" sz="3600" dirty="0">
-              <a:solidFill>
-                <a:schemeClr val="tx1"/>
-              </a:solidFill>
-            </a:endParaRPr>
-          </a:p>
-        </p:txBody>
-      </p:sp>
-      <p:sp>
-        <p:nvSpPr>
-          <p:cNvPr id="10" name="TextBox 9"/>
-          <p:cNvSpPr txBox="1"/>
-          <p:nvPr/>
-        </p:nvSpPr>
-        <p:spPr>
-          <a:xfrm>
-            <a:off x="762308" y="2790092"/>
-            <a:ext cx="7619383" cy="2123658"/>
-          </a:xfrm>
-          <a:prstGeom prst="rect">
-            <a:avLst/>
-          </a:prstGeom>
-          <a:noFill/>
-        </p:spPr>
-        <p:txBody>
-          <a:bodyPr wrap="square" rtlCol="0">
-            <a:spAutoFit/>
-          </a:bodyPr>
-          <a:lstStyle/>
-          <a:p>
-            <a:r>
-              <a:rPr lang="en-US" sz="4400" dirty="0" err="1" smtClean="0">
-                <a:solidFill>
-                  <a:srgbClr val="FF0000"/>
-                </a:solidFill>
-                <a:latin typeface="Comic Sans MS" pitchFamily="66" charset="0"/>
-                <a:sym typeface="Euclid Symbol" pitchFamily="18" charset="2"/>
-              </a:rPr>
-              <a:t>NOT</a:t>
-            </a:r>
-            <a:r>
-              <a:rPr lang="en-US" sz="6600" dirty="0" err="1" smtClean="0">
-                <a:latin typeface="Comic Sans MS" pitchFamily="66" charset="0"/>
-                <a:sym typeface="Euclid Symbol" pitchFamily="18" charset="2"/>
-              </a:rPr>
-              <a:t>(</a:t>
-            </a:r>
-            <a:r>
-              <a:rPr lang="en-US" sz="6600" b="1" dirty="0" err="1" smtClean="0">
-                <a:solidFill>
-                  <a:srgbClr val="008000"/>
-                </a:solidFill>
-                <a:latin typeface="Euclid Symbol" charset="2"/>
-                <a:sym typeface="Euclid Symbol" pitchFamily="18" charset="2"/>
-              </a:rPr>
-              <a:t>∀</a:t>
-            </a:r>
-            <a:r>
-              <a:rPr lang="en-US" sz="6600" dirty="0" err="1" smtClean="0">
-                <a:solidFill>
-                  <a:srgbClr val="0000FF"/>
-                </a:solidFill>
-                <a:latin typeface="Comic Sans MS" pitchFamily="66" charset="0"/>
-              </a:rPr>
-              <a:t>x</a:t>
-            </a:r>
-            <a:r>
-              <a:rPr lang="en-US" sz="6600" dirty="0" smtClean="0">
-                <a:latin typeface="Comic Sans MS" pitchFamily="66" charset="0"/>
-              </a:rPr>
-              <a:t>. </a:t>
-            </a:r>
-            <a:r>
-              <a:rPr lang="en-US" sz="6600" dirty="0" err="1" smtClean="0">
-                <a:latin typeface="Comic Sans MS" pitchFamily="66" charset="0"/>
-              </a:rPr>
-              <a:t>P(</a:t>
-            </a:r>
-            <a:r>
-              <a:rPr lang="en-US" sz="6600" dirty="0" err="1" smtClean="0">
-                <a:solidFill>
-                  <a:srgbClr val="0000FF"/>
-                </a:solidFill>
-                <a:latin typeface="Comic Sans MS" pitchFamily="66" charset="0"/>
-              </a:rPr>
-              <a:t>x</a:t>
-            </a:r>
-            <a:r>
-              <a:rPr lang="en-US" sz="6600" dirty="0" smtClean="0">
-                <a:latin typeface="Comic Sans MS" pitchFamily="66" charset="0"/>
-              </a:rPr>
-              <a:t>))  </a:t>
-            </a:r>
-            <a:r>
-              <a:rPr lang="en-US" sz="4400" dirty="0" smtClean="0">
-                <a:solidFill>
-                  <a:srgbClr val="0000FF"/>
-                </a:solidFill>
-                <a:latin typeface="Comic Sans MS" pitchFamily="66" charset="0"/>
-                <a:sym typeface="Euclid Symbol" pitchFamily="18" charset="2"/>
-              </a:rPr>
-              <a:t>IFF</a:t>
-            </a:r>
-            <a:r>
-              <a:rPr lang="en-US" sz="5400" dirty="0" smtClean="0">
-                <a:latin typeface="Comic Sans MS" pitchFamily="66" charset="0"/>
-                <a:sym typeface="Euclid Symbol" pitchFamily="18" charset="2"/>
-              </a:rPr>
-              <a:t> </a:t>
-            </a:r>
-            <a:r>
-              <a:rPr lang="en-US" sz="6600" b="1" dirty="0" smtClean="0">
-                <a:solidFill>
-                  <a:srgbClr val="008000"/>
-                </a:solidFill>
-                <a:latin typeface="Euclid Symbol" charset="2"/>
-                <a:cs typeface="Euclid Symbol" charset="2"/>
-                <a:sym typeface="Symbol"/>
-              </a:rPr>
-              <a:t>∃</a:t>
-            </a:r>
-            <a:r>
-              <a:rPr lang="en-US" sz="6600" dirty="0" err="1" smtClean="0">
-                <a:solidFill>
-                  <a:srgbClr val="0000FF"/>
-                </a:solidFill>
-                <a:latin typeface="Comic Sans MS" pitchFamily="66" charset="0"/>
-              </a:rPr>
-              <a:t>y</a:t>
-            </a:r>
-            <a:r>
-              <a:rPr lang="en-US" sz="6600" dirty="0" smtClean="0">
-                <a:latin typeface="Comic Sans MS" pitchFamily="66" charset="0"/>
-              </a:rPr>
-              <a:t>. </a:t>
-            </a:r>
-            <a:r>
-              <a:rPr lang="en-US" sz="4400" dirty="0" err="1" smtClean="0">
-                <a:solidFill>
-                  <a:srgbClr val="FF0000"/>
-                </a:solidFill>
-                <a:latin typeface="Comic Sans MS" pitchFamily="66" charset="0"/>
-              </a:rPr>
-              <a:t>NOT</a:t>
-            </a:r>
-            <a:r>
-              <a:rPr lang="en-US" sz="6600" dirty="0" err="1" smtClean="0">
-                <a:latin typeface="Comic Sans MS" pitchFamily="66" charset="0"/>
-              </a:rPr>
-              <a:t>(P(</a:t>
-            </a:r>
-            <a:r>
-              <a:rPr lang="en-US" sz="6600" dirty="0" err="1" smtClean="0">
-                <a:solidFill>
-                  <a:srgbClr val="0000FF"/>
-                </a:solidFill>
-                <a:latin typeface="Comic Sans MS" pitchFamily="66" charset="0"/>
-              </a:rPr>
-              <a:t>y</a:t>
-            </a:r>
-            <a:r>
-              <a:rPr lang="en-US" sz="6600" dirty="0" smtClean="0">
-                <a:latin typeface="Comic Sans MS" pitchFamily="66" charset="0"/>
-              </a:rPr>
-              <a:t>))</a:t>
-            </a:r>
-            <a:endParaRPr lang="en-US" sz="6600" dirty="0">
-              <a:latin typeface="Comic Sans MS" pitchFamily="66" charset="0"/>
-            </a:endParaRPr>
-          </a:p>
-        </p:txBody>
-      </p:sp>
-      <p:sp>
-        <p:nvSpPr>
-          <p:cNvPr id="11" name="TextBox 10"/>
-          <p:cNvSpPr txBox="1"/>
-          <p:nvPr/>
-        </p:nvSpPr>
-        <p:spPr>
-          <a:xfrm>
-            <a:off x="586154" y="1508370"/>
-            <a:ext cx="4336444" cy="769441"/>
-          </a:xfrm>
-          <a:prstGeom prst="rect">
-            <a:avLst/>
-          </a:prstGeom>
-          <a:noFill/>
-        </p:spPr>
-        <p:txBody>
-          <a:bodyPr wrap="none" rtlCol="0">
-            <a:spAutoFit/>
-          </a:bodyPr>
-          <a:lstStyle/>
-          <a:p>
-            <a:r>
-              <a:rPr lang="en-US" sz="4400" dirty="0" smtClean="0">
-                <a:latin typeface="Comic Sans MS" pitchFamily="66" charset="0"/>
-              </a:rPr>
-              <a:t>A valid formula:</a:t>
-            </a:r>
-            <a:endParaRPr lang="en-US" sz="4400" dirty="0">
-              <a:latin typeface="Comic Sans MS" pitchFamily="66" charset="0"/>
-            </a:endParaRPr>
-          </a:p>
-        </p:txBody>
-      </p:sp>
-    </p:spTree>
-  </p:cSld>
-  <p:clrMapOvr>
-    <a:masterClrMapping/>
-  </p:clrMapOvr>
-  <p:transition xmlns:p14="http://schemas.microsoft.com/office/powerpoint/2010/main"/>
-  <p:timing>
-    <p:tnLst>
-      <p:par>
-        <p:cTn xmlns:p14="http://schemas.microsoft.com/office/powerpoint/2010/main" id="1" dur="indefinite" restart="never" nodeType="tmRoot">
-          <p:childTnLst>
-            <p:seq concurrent="1" nextAc="seek">
-              <p:cTn id="2" dur="indefinite" nodeType="mainSeq">
-                <p:childTnLst>
-                  <p:par>
-                    <p:cTn id="3" fill="hold">
-                      <p:stCondLst>
-                        <p:cond delay="indefinite"/>
-                        <p:cond evt="onBegin" delay="0">
-                          <p:tn val="2"/>
-                        </p:cond>
-                      </p:stCondLst>
-                      <p:childTnLst>
-                        <p:par>
-                          <p:cTn id="4" fill="hold">
-                            <p:stCondLst>
-                              <p:cond delay="0"/>
-                            </p:stCondLst>
-                            <p:childTnLst>
-                              <p:par>
-                                <p:cTn id="5" presetID="22" presetClass="entr" presetSubtype="1" fill="hold" grpId="0" nodeType="afterEffect">
-                                  <p:stCondLst>
-                                    <p:cond delay="500"/>
-                                  </p:stCondLst>
-                                  <p:childTnLst>
-                                    <p:set>
-                                      <p:cBhvr>
-                                        <p:cTn id="6" dur="1" fill="hold">
-                                          <p:stCondLst>
-                                            <p:cond delay="0"/>
-                                          </p:stCondLst>
-                                        </p:cTn>
-                                        <p:tgtEl>
-                                          <p:spTgt spid="10"/>
-                                        </p:tgtEl>
-                                        <p:attrNameLst>
-                                          <p:attrName>style.visibility</p:attrName>
-                                        </p:attrNameLst>
-                                      </p:cBhvr>
-                                      <p:to>
-                                        <p:strVal val="visible"/>
-                                      </p:to>
-                                    </p:set>
-                                    <p:animEffect transition="in" filter="wipe(up)">
-                                      <p:cBhvr>
-                                        <p:cTn id="7" dur="1000"/>
-                                        <p:tgtEl>
-                                          <p:spTgt spid="10"/>
-                                        </p:tgtEl>
-                                      </p:cBhvr>
-                                    </p:animEffect>
-                                  </p:childTnLst>
-                                </p:cTn>
-                              </p:par>
-                            </p:childTnLst>
-                          </p:cTn>
-                        </p:par>
-                      </p:childTnLst>
-                    </p:cTn>
-                  </p:par>
-                </p:childTnLst>
-              </p:cTn>
-              <p:prevCondLst>
-                <p:cond evt="onPrev" delay="0">
-                  <p:tgtEl>
-                    <p:sldTgt/>
-                  </p:tgtEl>
-                </p:cond>
-              </p:prevCondLst>
-              <p:nextCondLst>
-                <p:cond evt="onNext" delay="0">
-                  <p:tgtEl>
-                    <p:sldTgt/>
-                  </p:tgtEl>
-                </p:cond>
-              </p:nextCondLst>
-            </p:seq>
-          </p:childTnLst>
-        </p:cTn>
-      </p:par>
-    </p:tnLst>
-    <p:bldLst>
-      <p:bldP spid="10" grpId="0"/>
-    </p:bldLst>
-  </p:timing>
-</p:sld>
-</file>
-
-<file path=ppt/slides/slide26.xml><?xml version="1.0" encoding="utf-8"?>
 <p:sld xmlns:a="http://schemas.openxmlformats.org/drawingml/2006/main" xmlns:r="http://schemas.openxmlformats.org/officeDocument/2006/relationships" xmlns:p="http://schemas.openxmlformats.org/presentationml/2006/main" show="0">
   <p:cSld>
     <p:spTree>
@@ -15403,7 +14930,7 @@
           <a:graphicData uri="http://schemas.openxmlformats.org/presentationml/2006/ole">
             <mc:AlternateContent xmlns:mc="http://schemas.openxmlformats.org/markup-compatibility/2006">
               <mc:Choice xmlns:v="urn:schemas-microsoft-com:vml" Requires="v">
-                <p:oleObj spid="_x0000_s466989" name="Equation" r:id="rId4" imgW="914400" imgH="198720" progId="Equation.DSMT4">
+                <p:oleObj spid="_x0000_s466997" name="Equation" r:id="rId4" imgW="914400" imgH="198720" progId="Equation.DSMT4">
                   <p:embed/>
                 </p:oleObj>
               </mc:Choice>
@@ -15722,7 +15249,7 @@
           <a:graphicData uri="http://schemas.openxmlformats.org/presentationml/2006/ole">
             <mc:AlternateContent xmlns:mc="http://schemas.openxmlformats.org/markup-compatibility/2006">
               <mc:Choice xmlns:v="urn:schemas-microsoft-com:vml" Requires="v">
-                <p:oleObj spid="_x0000_s466990" name="Equation" r:id="rId6" imgW="2032000" imgH="457200" progId="Equation.DSMT4">
+                <p:oleObj spid="_x0000_s466998" name="Equation" r:id="rId6" imgW="2032000" imgH="457200" progId="Equation.DSMT4">
                   <p:embed/>
                 </p:oleObj>
               </mc:Choice>
@@ -16143,7 +15670,7 @@
 </p:sld>
 </file>
 
-<file path=ppt/slides/slide27.xml><?xml version="1.0" encoding="utf-8"?>
+<file path=ppt/slides/slide26.xml><?xml version="1.0" encoding="utf-8"?>
 <p:sld xmlns:a="http://schemas.openxmlformats.org/drawingml/2006/main" xmlns:r="http://schemas.openxmlformats.org/officeDocument/2006/relationships" xmlns:p="http://schemas.openxmlformats.org/presentationml/2006/main" show="0">
   <p:cSld>
     <p:spTree>
@@ -16917,7 +16444,7 @@
           <a:graphicData uri="http://schemas.openxmlformats.org/presentationml/2006/ole">
             <mc:AlternateContent xmlns:mc="http://schemas.openxmlformats.org/markup-compatibility/2006">
               <mc:Choice xmlns:v="urn:schemas-microsoft-com:vml" Requires="v">
-                <p:oleObj spid="_x0000_s469018" name="Equation" r:id="rId4" imgW="914400" imgH="198720" progId="Equation.DSMT4">
+                <p:oleObj spid="_x0000_s469023" name="Equation" r:id="rId4" imgW="914400" imgH="198720" progId="Equation.DSMT4">
                   <p:embed/>
                 </p:oleObj>
               </mc:Choice>
@@ -17941,7 +17468,7 @@
 </p:sld>
 </file>
 
-<file path=ppt/slides/slide28.xml><?xml version="1.0" encoding="utf-8"?>
+<file path=ppt/slides/slide27.xml><?xml version="1.0" encoding="utf-8"?>
 <p:sld xmlns:a="http://schemas.openxmlformats.org/drawingml/2006/main" xmlns:r="http://schemas.openxmlformats.org/officeDocument/2006/relationships" xmlns:p="http://schemas.openxmlformats.org/presentationml/2006/main" show="0">
   <p:cSld>
     <p:spTree>
@@ -18165,7 +17692,7 @@
           <a:graphicData uri="http://schemas.openxmlformats.org/presentationml/2006/ole">
             <mc:AlternateContent xmlns:mc="http://schemas.openxmlformats.org/markup-compatibility/2006">
               <mc:Choice xmlns:v="urn:schemas-microsoft-com:vml" Requires="v">
-                <p:oleObj spid="_x0000_s563230" name="Equation" r:id="rId4" imgW="596900" imgH="520700" progId="Equation.DSMT4">
+                <p:oleObj spid="_x0000_s563235" name="Equation" r:id="rId4" imgW="596900" imgH="520700" progId="Equation.DSMT4">
                   <p:embed/>
                 </p:oleObj>
               </mc:Choice>
@@ -18367,7 +17894,7 @@
 </p:sld>
 </file>
 
-<file path=ppt/slides/slide29.xml><?xml version="1.0" encoding="utf-8"?>
+<file path=ppt/slides/slide28.xml><?xml version="1.0" encoding="utf-8"?>
 <p:sld xmlns:a="http://schemas.openxmlformats.org/drawingml/2006/main" xmlns:r="http://schemas.openxmlformats.org/officeDocument/2006/relationships" xmlns:p="http://schemas.openxmlformats.org/presentationml/2006/main">
   <p:cSld>
     <p:spTree>
@@ -18732,7 +18259,7 @@
           <a:graphicData uri="http://schemas.openxmlformats.org/presentationml/2006/ole">
             <mc:AlternateContent xmlns:mc="http://schemas.openxmlformats.org/markup-compatibility/2006">
               <mc:Choice xmlns:v="urn:schemas-microsoft-com:vml" Requires="v">
-                <p:oleObj spid="_x0000_s480298" name="Equation" r:id="rId4" imgW="914400" imgH="198720" progId="Equation.DSMT4">
+                <p:oleObj spid="_x0000_s480308" name="Equation" r:id="rId4" imgW="914400" imgH="198720" progId="Equation.DSMT4">
                   <p:embed/>
                 </p:oleObj>
               </mc:Choice>
@@ -18932,7 +18459,7 @@
           <a:graphicData uri="http://schemas.openxmlformats.org/presentationml/2006/ole">
             <mc:AlternateContent xmlns:mc="http://schemas.openxmlformats.org/markup-compatibility/2006">
               <mc:Choice xmlns:v="urn:schemas-microsoft-com:vml" Requires="v">
-                <p:oleObj spid="_x0000_s480299" name="Equation" r:id="rId6" imgW="1968500" imgH="457200" progId="Equation.DSMT4">
+                <p:oleObj spid="_x0000_s480309" name="Equation" r:id="rId6" imgW="1968500" imgH="457200" progId="Equation.DSMT4">
                   <p:embed/>
                 </p:oleObj>
               </mc:Choice>
@@ -18991,7 +18518,9 @@
   <p:clrMapOvr>
     <a:masterClrMapping/>
   </p:clrMapOvr>
-  <p:transition xmlns:p14="http://schemas.microsoft.com/office/powerpoint/2010/main"/>
+  <p:transition xmlns:p14="http://schemas.microsoft.com/office/powerpoint/2010/main" spd="slow">
+    <p:fade thruBlk="1"/>
+  </p:transition>
   <p:timing>
     <p:tnLst>
       <p:par>
@@ -19463,6 +18992,364 @@
 </p:sld>
 </file>
 
+<file path=ppt/slides/slide29.xml><?xml version="1.0" encoding="utf-8"?>
+<p:sld xmlns:a="http://schemas.openxmlformats.org/drawingml/2006/main" xmlns:r="http://schemas.openxmlformats.org/officeDocument/2006/relationships" xmlns:p="http://schemas.openxmlformats.org/presentationml/2006/main">
+  <p:cSld>
+    <p:spTree>
+      <p:nvGrpSpPr>
+        <p:cNvPr id="1" name=""/>
+        <p:cNvGrpSpPr/>
+        <p:nvPr/>
+      </p:nvGrpSpPr>
+      <p:grpSpPr>
+        <a:xfrm>
+          <a:off x="0" y="0"/>
+          <a:ext cx="0" cy="0"/>
+          <a:chOff x="0" y="0"/>
+          <a:chExt cx="0" cy="0"/>
+        </a:xfrm>
+      </p:grpSpPr>
+      <p:sp>
+        <p:nvSpPr>
+          <p:cNvPr id="70661" name="Rectangle 5"/>
+          <p:cNvSpPr>
+            <a:spLocks noGrp="1" noChangeArrowheads="1"/>
+          </p:cNvSpPr>
+          <p:nvPr>
+            <p:ph type="title"/>
+          </p:nvPr>
+        </p:nvSpPr>
+        <p:spPr>
+          <a:xfrm>
+            <a:off x="1295899" y="265728"/>
+            <a:ext cx="7502769" cy="1062892"/>
+          </a:xfrm>
+          <a:noFill/>
+          <a:ln/>
+        </p:spPr>
+        <p:txBody>
+          <a:bodyPr/>
+          <a:lstStyle/>
+          <a:p>
+            <a:r>
+              <a:rPr lang="en-US" sz="3600" dirty="0" err="1" smtClean="0">
+                <a:solidFill>
+                  <a:schemeClr val="tx1"/>
+                </a:solidFill>
+              </a:rPr>
+              <a:t>DeMorgan’s</a:t>
+            </a:r>
+            <a:r>
+              <a:rPr lang="en-US" sz="3600" dirty="0" smtClean="0">
+                <a:solidFill>
+                  <a:schemeClr val="tx1"/>
+                </a:solidFill>
+              </a:rPr>
+              <a:t> Law for Quantifiers</a:t>
+            </a:r>
+            <a:endParaRPr lang="en-US" sz="3600" dirty="0">
+              <a:solidFill>
+                <a:schemeClr val="tx1"/>
+              </a:solidFill>
+            </a:endParaRPr>
+          </a:p>
+        </p:txBody>
+      </p:sp>
+      <p:sp>
+        <p:nvSpPr>
+          <p:cNvPr id="10" name="TextBox 9"/>
+          <p:cNvSpPr txBox="1"/>
+          <p:nvPr/>
+        </p:nvSpPr>
+        <p:spPr>
+          <a:xfrm>
+            <a:off x="762308" y="2790092"/>
+            <a:ext cx="7619383" cy="2123658"/>
+          </a:xfrm>
+          <a:prstGeom prst="rect">
+            <a:avLst/>
+          </a:prstGeom>
+          <a:noFill/>
+        </p:spPr>
+        <p:txBody>
+          <a:bodyPr wrap="square" rtlCol="0">
+            <a:spAutoFit/>
+          </a:bodyPr>
+          <a:lstStyle/>
+          <a:p>
+            <a:r>
+              <a:rPr lang="en-US" sz="4400" dirty="0" err="1" smtClean="0">
+                <a:solidFill>
+                  <a:srgbClr val="FF0000"/>
+                </a:solidFill>
+                <a:latin typeface="Comic Sans MS" pitchFamily="66" charset="0"/>
+                <a:sym typeface="Euclid Symbol" pitchFamily="18" charset="2"/>
+              </a:rPr>
+              <a:t>NOT</a:t>
+            </a:r>
+            <a:r>
+              <a:rPr lang="en-US" sz="6600" dirty="0" err="1" smtClean="0">
+                <a:latin typeface="Comic Sans MS" pitchFamily="66" charset="0"/>
+                <a:sym typeface="Euclid Symbol" pitchFamily="18" charset="2"/>
+              </a:rPr>
+              <a:t>(</a:t>
+            </a:r>
+            <a:r>
+              <a:rPr lang="en-US" sz="6600" b="1" dirty="0" err="1" smtClean="0">
+                <a:solidFill>
+                  <a:srgbClr val="008000"/>
+                </a:solidFill>
+                <a:latin typeface="Euclid Symbol" charset="2"/>
+                <a:sym typeface="Euclid Symbol" pitchFamily="18" charset="2"/>
+              </a:rPr>
+              <a:t>∀</a:t>
+            </a:r>
+            <a:r>
+              <a:rPr lang="en-US" sz="6600" dirty="0" err="1" smtClean="0">
+                <a:solidFill>
+                  <a:srgbClr val="0000FF"/>
+                </a:solidFill>
+                <a:latin typeface="Comic Sans MS" pitchFamily="66" charset="0"/>
+              </a:rPr>
+              <a:t>x</a:t>
+            </a:r>
+            <a:r>
+              <a:rPr lang="en-US" sz="6600" dirty="0" smtClean="0">
+                <a:latin typeface="Comic Sans MS" pitchFamily="66" charset="0"/>
+              </a:rPr>
+              <a:t>. </a:t>
+            </a:r>
+            <a:r>
+              <a:rPr lang="en-US" sz="6600" dirty="0" err="1" smtClean="0">
+                <a:latin typeface="Comic Sans MS" pitchFamily="66" charset="0"/>
+              </a:rPr>
+              <a:t>P(</a:t>
+            </a:r>
+            <a:r>
+              <a:rPr lang="en-US" sz="6600" dirty="0" err="1" smtClean="0">
+                <a:solidFill>
+                  <a:srgbClr val="0000FF"/>
+                </a:solidFill>
+                <a:latin typeface="Comic Sans MS" pitchFamily="66" charset="0"/>
+              </a:rPr>
+              <a:t>x</a:t>
+            </a:r>
+            <a:r>
+              <a:rPr lang="en-US" sz="6600" dirty="0" smtClean="0">
+                <a:latin typeface="Comic Sans MS" pitchFamily="66" charset="0"/>
+              </a:rPr>
+              <a:t>))  </a:t>
+            </a:r>
+            <a:r>
+              <a:rPr lang="en-US" sz="4400" dirty="0" smtClean="0">
+                <a:solidFill>
+                  <a:srgbClr val="0000FF"/>
+                </a:solidFill>
+                <a:latin typeface="Comic Sans MS" pitchFamily="66" charset="0"/>
+                <a:sym typeface="Euclid Symbol" pitchFamily="18" charset="2"/>
+              </a:rPr>
+              <a:t>IFF</a:t>
+            </a:r>
+            <a:r>
+              <a:rPr lang="en-US" sz="5400" dirty="0" smtClean="0">
+                <a:latin typeface="Comic Sans MS" pitchFamily="66" charset="0"/>
+                <a:sym typeface="Euclid Symbol" pitchFamily="18" charset="2"/>
+              </a:rPr>
+              <a:t> </a:t>
+            </a:r>
+            <a:r>
+              <a:rPr lang="en-US" sz="6600" b="1" dirty="0" smtClean="0">
+                <a:solidFill>
+                  <a:srgbClr val="008000"/>
+                </a:solidFill>
+                <a:latin typeface="Euclid Symbol" charset="2"/>
+                <a:cs typeface="Euclid Symbol" charset="2"/>
+                <a:sym typeface="Symbol"/>
+              </a:rPr>
+              <a:t>∃</a:t>
+            </a:r>
+            <a:r>
+              <a:rPr lang="en-US" sz="6600" dirty="0" err="1" smtClean="0">
+                <a:solidFill>
+                  <a:srgbClr val="0000FF"/>
+                </a:solidFill>
+                <a:latin typeface="Comic Sans MS" pitchFamily="66" charset="0"/>
+              </a:rPr>
+              <a:t>y</a:t>
+            </a:r>
+            <a:r>
+              <a:rPr lang="en-US" sz="6600" dirty="0" smtClean="0">
+                <a:latin typeface="Comic Sans MS" pitchFamily="66" charset="0"/>
+              </a:rPr>
+              <a:t>. </a:t>
+            </a:r>
+            <a:r>
+              <a:rPr lang="en-US" sz="4400" dirty="0" err="1" smtClean="0">
+                <a:solidFill>
+                  <a:srgbClr val="FF0000"/>
+                </a:solidFill>
+                <a:latin typeface="Comic Sans MS" pitchFamily="66" charset="0"/>
+              </a:rPr>
+              <a:t>NOT</a:t>
+            </a:r>
+            <a:r>
+              <a:rPr lang="en-US" sz="6600" dirty="0" err="1" smtClean="0">
+                <a:latin typeface="Comic Sans MS" pitchFamily="66" charset="0"/>
+              </a:rPr>
+              <a:t>(P(</a:t>
+            </a:r>
+            <a:r>
+              <a:rPr lang="en-US" sz="6600" dirty="0" err="1" smtClean="0">
+                <a:solidFill>
+                  <a:srgbClr val="0000FF"/>
+                </a:solidFill>
+                <a:latin typeface="Comic Sans MS" pitchFamily="66" charset="0"/>
+              </a:rPr>
+              <a:t>y</a:t>
+            </a:r>
+            <a:r>
+              <a:rPr lang="en-US" sz="6600" dirty="0" smtClean="0">
+                <a:latin typeface="Comic Sans MS" pitchFamily="66" charset="0"/>
+              </a:rPr>
+              <a:t>))</a:t>
+            </a:r>
+            <a:endParaRPr lang="en-US" sz="6600" dirty="0">
+              <a:latin typeface="Comic Sans MS" pitchFamily="66" charset="0"/>
+            </a:endParaRPr>
+          </a:p>
+        </p:txBody>
+      </p:sp>
+      <p:sp>
+        <p:nvSpPr>
+          <p:cNvPr id="11" name="TextBox 10"/>
+          <p:cNvSpPr txBox="1"/>
+          <p:nvPr/>
+        </p:nvSpPr>
+        <p:spPr>
+          <a:xfrm>
+            <a:off x="586154" y="1508370"/>
+            <a:ext cx="6104405" cy="769441"/>
+          </a:xfrm>
+          <a:prstGeom prst="rect">
+            <a:avLst/>
+          </a:prstGeom>
+          <a:noFill/>
+        </p:spPr>
+        <p:txBody>
+          <a:bodyPr wrap="none" rtlCol="0">
+            <a:spAutoFit/>
+          </a:bodyPr>
+          <a:lstStyle/>
+          <a:p>
+            <a:r>
+              <a:rPr lang="en-US" sz="4400" dirty="0" smtClean="0">
+                <a:latin typeface="Comic Sans MS" pitchFamily="66" charset="0"/>
+              </a:rPr>
+              <a:t>Another valid formula:</a:t>
+            </a:r>
+            <a:endParaRPr lang="en-US" sz="4400" dirty="0">
+              <a:latin typeface="Comic Sans MS" pitchFamily="66" charset="0"/>
+            </a:endParaRPr>
+          </a:p>
+        </p:txBody>
+      </p:sp>
+    </p:spTree>
+  </p:cSld>
+  <p:clrMapOvr>
+    <a:masterClrMapping/>
+  </p:clrMapOvr>
+  <p:transition xmlns:p14="http://schemas.microsoft.com/office/powerpoint/2010/main" spd="slow">
+    <p:fade/>
+  </p:transition>
+  <p:timing>
+    <p:tnLst>
+      <p:par>
+        <p:cTn xmlns:p14="http://schemas.microsoft.com/office/powerpoint/2010/main" id="1" dur="indefinite" restart="never" nodeType="tmRoot">
+          <p:childTnLst>
+            <p:seq concurrent="1" nextAc="seek">
+              <p:cTn id="2" dur="indefinite" nodeType="mainSeq">
+                <p:childTnLst>
+                  <p:par>
+                    <p:cTn id="3" fill="hold">
+                      <p:stCondLst>
+                        <p:cond delay="indefinite"/>
+                      </p:stCondLst>
+                      <p:childTnLst>
+                        <p:par>
+                          <p:cTn id="4" fill="hold">
+                            <p:stCondLst>
+                              <p:cond delay="0"/>
+                            </p:stCondLst>
+                            <p:childTnLst>
+                              <p:par>
+                                <p:cTn id="5" presetID="22" presetClass="entr" presetSubtype="1" fill="hold" grpId="0" nodeType="clickEffect">
+                                  <p:stCondLst>
+                                    <p:cond delay="0"/>
+                                  </p:stCondLst>
+                                  <p:childTnLst>
+                                    <p:set>
+                                      <p:cBhvr>
+                                        <p:cTn id="6" dur="1" fill="hold">
+                                          <p:stCondLst>
+                                            <p:cond delay="0"/>
+                                          </p:stCondLst>
+                                        </p:cTn>
+                                        <p:tgtEl>
+                                          <p:spTgt spid="10"/>
+                                        </p:tgtEl>
+                                        <p:attrNameLst>
+                                          <p:attrName>style.visibility</p:attrName>
+                                        </p:attrNameLst>
+                                      </p:cBhvr>
+                                      <p:to>
+                                        <p:strVal val="visible"/>
+                                      </p:to>
+                                    </p:set>
+                                    <p:animEffect transition="in" filter="wipe(up)">
+                                      <p:cBhvr>
+                                        <p:cTn id="7" dur="1000"/>
+                                        <p:tgtEl>
+                                          <p:spTgt spid="10"/>
+                                        </p:tgtEl>
+                                      </p:cBhvr>
+                                    </p:animEffect>
+                                  </p:childTnLst>
+                                </p:cTn>
+                              </p:par>
+                            </p:childTnLst>
+                          </p:cTn>
+                        </p:par>
+                      </p:childTnLst>
+                    </p:cTn>
+                  </p:par>
+                </p:childTnLst>
+              </p:cTn>
+              <p:prevCondLst>
+                <p:cond evt="onPrev" delay="0">
+                  <p:tgtEl>
+                    <p:sldTgt/>
+                  </p:tgtEl>
+                </p:cond>
+              </p:prevCondLst>
+              <p:nextCondLst>
+                <p:cond evt="onNext" delay="0">
+                  <p:tgtEl>
+                    <p:sldTgt/>
+                  </p:tgtEl>
+                </p:cond>
+              </p:nextCondLst>
+            </p:seq>
+          </p:childTnLst>
+        </p:cTn>
+      </p:par>
+    </p:tnLst>
+    <p:bldLst>
+      <p:bldP spid="10" grpId="0"/>
+    </p:bldLst>
+  </p:timing>
+</p:sld>
+</file>
+
 <file path=ppt/slides/slide3.xml><?xml version="1.0" encoding="utf-8"?>
 <p:sld xmlns:a="http://schemas.openxmlformats.org/drawingml/2006/main" xmlns:r="http://schemas.openxmlformats.org/officeDocument/2006/relationships" xmlns:p="http://schemas.openxmlformats.org/presentationml/2006/main">
   <p:cSld>
@@ -20172,8 +20059,8 @@
         </p:nvSpPr>
         <p:spPr>
           <a:xfrm>
-            <a:off x="432702" y="1738578"/>
-            <a:ext cx="8315905" cy="3305710"/>
+            <a:off x="354954" y="1738577"/>
+            <a:ext cx="8393653" cy="3317904"/>
           </a:xfrm>
           <a:noFill/>
           <a:ln/>
@@ -20222,7 +20109,7 @@
         </p:nvSpPr>
         <p:spPr>
           <a:xfrm>
-            <a:off x="211662" y="2848168"/>
+            <a:off x="141984" y="2856056"/>
             <a:ext cx="2144487" cy="923330"/>
           </a:xfrm>
           <a:prstGeom prst="rect">
@@ -20261,9 +20148,18 @@
   <p:clrMapOvr>
     <a:masterClrMapping/>
   </p:clrMapOvr>
-  <p:transition xmlns:p14="http://schemas.microsoft.com/office/powerpoint/2010/main" spd="slow">
-    <p:fade thruBlk="1"/>
-  </p:transition>
+  <mc:AlternateContent xmlns:mc="http://schemas.openxmlformats.org/markup-compatibility/2006" xmlns:p14="http://schemas.microsoft.com/office/powerpoint/2010/main">
+    <mc:Choice Requires="p14">
+      <p:transition spd="slow" p14:dur="1200">
+        <p:fade thruBlk="1"/>
+      </p:transition>
+    </mc:Choice>
+    <mc:Fallback xmlns="">
+      <p:transition xmlns:p14="http://schemas.microsoft.com/office/powerpoint/2010/main" spd="slow">
+        <p:fade thruBlk="1"/>
+      </p:transition>
+    </mc:Fallback>
+  </mc:AlternateContent>
   <p:timing>
     <p:tnLst>
       <p:par>
@@ -20472,26 +20368,43 @@
             <p:ph type="title"/>
           </p:nvPr>
         </p:nvSpPr>
-        <p:spPr/>
+        <p:spPr>
+          <a:xfrm>
+            <a:off x="1650999" y="363538"/>
+            <a:ext cx="7333271" cy="1009048"/>
+          </a:xfrm>
+        </p:spPr>
         <p:txBody>
           <a:bodyPr/>
           <a:lstStyle/>
           <a:p>
             <a:r>
-              <a:rPr lang="en-US" dirty="0"/>
+              <a:rPr lang="en-US" sz="3600" dirty="0"/>
               <a:t>G</a:t>
             </a:r>
             <a:r>
-              <a:rPr lang="en-US" dirty="0">
+              <a:rPr lang="en-US" sz="3600" dirty="0">
                 <a:cs typeface="Times New Roman" pitchFamily="18" charset="0"/>
               </a:rPr>
               <a:t>ö</a:t>
             </a:r>
             <a:r>
-              <a:rPr lang="en-US" dirty="0"/>
-              <a:t>del's Completeness Theorem</a:t>
-            </a:r>
-            <a:endParaRPr lang="en-US" sz="3600" dirty="0">
+              <a:rPr lang="en-US" sz="3600" dirty="0"/>
+              <a:t>del's </a:t>
+            </a:r>
+            <a:r>
+              <a:rPr lang="en-US" sz="3600" dirty="0">
+                <a:solidFill>
+                  <a:srgbClr val="008000"/>
+                </a:solidFill>
+              </a:rPr>
+              <a:t>Completeness</a:t>
+            </a:r>
+            <a:r>
+              <a:rPr lang="en-US" sz="3600" dirty="0"/>
+              <a:t> Theorem</a:t>
+            </a:r>
+            <a:endParaRPr lang="en-US" sz="4000" dirty="0">
               <a:solidFill>
                 <a:srgbClr val="006600"/>
               </a:solidFill>
@@ -20582,10 +20495,22 @@
               <a:rPr lang="en-US" sz="4400" dirty="0">
                 <a:latin typeface="Comic Sans MS" pitchFamily="66" charset="0"/>
               </a:rPr>
-              <a:t>a few axioms &amp; rules, to prove </a:t>
-            </a:r>
-            <a:r>
-              <a:rPr lang="en-US" sz="4400" i="1" dirty="0">
+              <a:t>a few axioms &amp; </a:t>
+            </a:r>
+            <a:r>
+              <a:rPr lang="en-US" sz="4400" dirty="0" smtClean="0">
+                <a:latin typeface="Comic Sans MS" pitchFamily="66" charset="0"/>
+              </a:rPr>
+              <a:t>rules </a:t>
+            </a:r>
+            <a:r>
+              <a:rPr lang="en-US" sz="4400" dirty="0">
+                <a:latin typeface="Comic Sans MS" pitchFamily="66" charset="0"/>
+              </a:rPr>
+              <a:t>to prove </a:t>
+            </a:r>
+            <a:r>
+              <a:rPr lang="en-US" sz="4400" dirty="0" smtClean="0">
                 <a:solidFill>
                   <a:srgbClr val="006600"/>
                 </a:solidFill>
@@ -20629,13 +20554,13 @@
   <p:clrMapOvr>
     <a:masterClrMapping/>
   </p:clrMapOvr>
-  <mc:AlternateContent xmlns:mc="http://schemas.openxmlformats.org/markup-compatibility/2006">
-    <mc:Choice xmlns:p14="http://schemas.microsoft.com/office/powerpoint/2010/main" Requires="p14">
+  <mc:AlternateContent xmlns:mc="http://schemas.openxmlformats.org/markup-compatibility/2006" xmlns:p14="http://schemas.microsoft.com/office/powerpoint/2010/main">
+    <mc:Choice Requires="p14">
       <p:transition spd="med" p14:dur="700">
         <p:fade/>
       </p:transition>
     </mc:Choice>
-    <mc:Fallback>
+    <mc:Fallback xmlns="">
       <p:transition xmlns:p14="http://schemas.microsoft.com/office/powerpoint/2010/main" spd="med">
         <p:fade/>
       </p:transition>
@@ -20662,7 +20587,7 @@
                             </p:stCondLst>
                             <p:childTnLst>
                               <p:par>
-                                <p:cTn id="5" presetID="1" presetClass="entr" presetSubtype="0" fill="hold" nodeType="clickEffect">
+                                <p:cTn id="5" presetID="9" presetClass="entr" presetSubtype="0" fill="hold" nodeType="clickEffect">
                                   <p:stCondLst>
                                     <p:cond delay="0"/>
                                   </p:stCondLst>
@@ -20689,36 +20614,30 @@
                                         <p:strVal val="visible"/>
                                       </p:to>
                                     </p:set>
+                                    <p:animEffect transition="in" filter="dissolve">
+                                      <p:cBhvr>
+                                        <p:cTn id="7" dur="500"/>
+                                        <p:tgtEl>
+                                          <p:spTgt spid="119811">
+                                            <p:txEl>
+                                              <p:pRg st="1" end="1"/>
+                                            </p:txEl>
+                                          </p:spTgt>
+                                        </p:tgtEl>
+                                      </p:cBhvr>
+                                    </p:animEffect>
                                   </p:childTnLst>
                                 </p:cTn>
                               </p:par>
-                            </p:childTnLst>
-                          </p:cTn>
-                        </p:par>
-                      </p:childTnLst>
-                    </p:cTn>
-                  </p:par>
-                  <p:par>
-                    <p:cTn id="7" fill="hold">
-                      <p:stCondLst>
-                        <p:cond delay="indefinite"/>
-                      </p:stCondLst>
-                      <p:childTnLst>
-                        <p:par>
-                          <p:cTn id="8" fill="hold">
-                            <p:stCondLst>
-                              <p:cond delay="0"/>
-                            </p:stCondLst>
-                            <p:childTnLst>
                               <p:par>
-                                <p:cTn id="9" presetID="1" presetClass="entr" presetSubtype="0" fill="hold" nodeType="clickEffect">
+                                <p:cTn id="8" presetID="9" presetClass="entr" presetSubtype="0" fill="hold" nodeType="withEffect">
                                   <p:stCondLst>
                                     <p:cond delay="0"/>
                                   </p:stCondLst>
                                   <p:childTnLst>
                                     <p:set>
                                       <p:cBhvr>
-                                        <p:cTn id="10" dur="1" fill="hold">
+                                        <p:cTn id="9" dur="1" fill="hold">
                                           <p:stCondLst>
                                             <p:cond delay="0"/>
                                           </p:stCondLst>
@@ -20738,6 +20657,155 @@
                                         <p:strVal val="visible"/>
                                       </p:to>
                                     </p:set>
+                                    <p:animEffect transition="in" filter="dissolve">
+                                      <p:cBhvr>
+                                        <p:cTn id="10" dur="500"/>
+                                        <p:tgtEl>
+                                          <p:spTgt spid="119811">
+                                            <p:txEl>
+                                              <p:pRg st="2" end="2"/>
+                                            </p:txEl>
+                                          </p:spTgt>
+                                        </p:tgtEl>
+                                      </p:cBhvr>
+                                    </p:animEffect>
+                                  </p:childTnLst>
+                                </p:cTn>
+                              </p:par>
+                            </p:childTnLst>
+                          </p:cTn>
+                        </p:par>
+                      </p:childTnLst>
+                    </p:cTn>
+                  </p:par>
+                  <p:par>
+                    <p:cTn id="11" fill="hold">
+                      <p:stCondLst>
+                        <p:cond delay="indefinite"/>
+                      </p:stCondLst>
+                      <p:childTnLst>
+                        <p:par>
+                          <p:cTn id="12" fill="hold">
+                            <p:stCondLst>
+                              <p:cond delay="0"/>
+                            </p:stCondLst>
+                            <p:childTnLst>
+                              <p:par>
+                                <p:cTn id="13" presetID="15" presetClass="entr" presetSubtype="0" fill="hold" grpId="0" nodeType="clickEffect">
+                                  <p:stCondLst>
+                                    <p:cond delay="0"/>
+                                  </p:stCondLst>
+                                  <p:childTnLst>
+                                    <p:set>
+                                      <p:cBhvr>
+                                        <p:cTn id="14" dur="1" fill="hold">
+                                          <p:stCondLst>
+                                            <p:cond delay="0"/>
+                                          </p:stCondLst>
+                                        </p:cTn>
+                                        <p:tgtEl>
+                                          <p:spTgt spid="119810"/>
+                                        </p:tgtEl>
+                                        <p:attrNameLst>
+                                          <p:attrName>style.visibility</p:attrName>
+                                        </p:attrNameLst>
+                                      </p:cBhvr>
+                                      <p:to>
+                                        <p:strVal val="visible"/>
+                                      </p:to>
+                                    </p:set>
+                                    <p:anim calcmode="lin" valueType="num">
+                                      <p:cBhvr>
+                                        <p:cTn id="15" dur="1000" fill="hold"/>
+                                        <p:tgtEl>
+                                          <p:spTgt spid="119810"/>
+                                        </p:tgtEl>
+                                        <p:attrNameLst>
+                                          <p:attrName>ppt_w</p:attrName>
+                                        </p:attrNameLst>
+                                      </p:cBhvr>
+                                      <p:tavLst>
+                                        <p:tav tm="0">
+                                          <p:val>
+                                            <p:fltVal val="0"/>
+                                          </p:val>
+                                        </p:tav>
+                                        <p:tav tm="100000">
+                                          <p:val>
+                                            <p:strVal val="#ppt_w"/>
+                                          </p:val>
+                                        </p:tav>
+                                      </p:tavLst>
+                                    </p:anim>
+                                    <p:anim calcmode="lin" valueType="num">
+                                      <p:cBhvr>
+                                        <p:cTn id="16" dur="1000" fill="hold"/>
+                                        <p:tgtEl>
+                                          <p:spTgt spid="119810"/>
+                                        </p:tgtEl>
+                                        <p:attrNameLst>
+                                          <p:attrName>ppt_h</p:attrName>
+                                        </p:attrNameLst>
+                                      </p:cBhvr>
+                                      <p:tavLst>
+                                        <p:tav tm="0">
+                                          <p:val>
+                                            <p:fltVal val="0"/>
+                                          </p:val>
+                                        </p:tav>
+                                        <p:tav tm="100000">
+                                          <p:val>
+                                            <p:strVal val="#ppt_h"/>
+                                          </p:val>
+                                        </p:tav>
+                                      </p:tavLst>
+                                    </p:anim>
+                                    <p:anim calcmode="lin" valueType="num">
+                                      <p:cBhvr>
+                                        <p:cTn id="17" dur="1000" fill="hold"/>
+                                        <p:tgtEl>
+                                          <p:spTgt spid="119810"/>
+                                        </p:tgtEl>
+                                        <p:attrNameLst>
+                                          <p:attrName>ppt_x</p:attrName>
+                                        </p:attrNameLst>
+                                      </p:cBhvr>
+                                      <p:tavLst>
+                                        <p:tav tm="0" fmla="#ppt_x+(cos(-2*pi*(1-$))*-#ppt_x-sin(-2*pi*(1-$))*(1-#ppt_y))*(1-$)">
+                                          <p:val>
+                                            <p:fltVal val="0"/>
+                                          </p:val>
+                                        </p:tav>
+                                        <p:tav tm="100000">
+                                          <p:val>
+                                            <p:fltVal val="1"/>
+                                          </p:val>
+                                        </p:tav>
+                                      </p:tavLst>
+                                    </p:anim>
+                                    <p:anim calcmode="lin" valueType="num">
+                                      <p:cBhvr>
+                                        <p:cTn id="18" dur="1000" fill="hold"/>
+                                        <p:tgtEl>
+                                          <p:spTgt spid="119810"/>
+                                        </p:tgtEl>
+                                        <p:attrNameLst>
+                                          <p:attrName>ppt_y</p:attrName>
+                                        </p:attrNameLst>
+                                      </p:cBhvr>
+                                      <p:tavLst>
+                                        <p:tav tm="0" fmla="#ppt_y+(sin(-2*pi*(1-$))*-#ppt_x+cos(-2*pi*(1-$))*(1-#ppt_y))*(1-$)">
+                                          <p:val>
+                                            <p:fltVal val="0"/>
+                                          </p:val>
+                                        </p:tav>
+                                        <p:tav tm="100000">
+                                          <p:val>
+                                            <p:fltVal val="1"/>
+                                          </p:val>
+                                        </p:tav>
+                                      </p:tavLst>
+                                    </p:anim>
                                   </p:childTnLst>
                                 </p:cTn>
                               </p:par>
@@ -20768,6 +20836,9 @@
         </p:cTn>
       </p:par>
     </p:tnLst>
+    <p:bldLst>
+      <p:bldP spid="119810" grpId="0"/>
+    </p:bldLst>
   </p:timing>
 </p:sld>
 </file>
@@ -20933,17 +21004,22 @@
           <a:lstStyle/>
           <a:p>
             <a:r>
-              <a:rPr lang="en-US" sz="3600" dirty="0">
-                <a:solidFill>
-                  <a:schemeClr val="tx1"/>
-                </a:solidFill>
-              </a:rPr>
-              <a:t>Cannot</a:t>
-            </a:r>
-            <a:r>
-              <a:rPr lang="en-US" sz="3600" dirty="0"/>
-              <a:t> Determine Validity</a:t>
-            </a:r>
+              <a:rPr lang="en-US" sz="3600" dirty="0" smtClean="0"/>
+              <a:t>Validity is </a:t>
+            </a:r>
+            <a:r>
+              <a:rPr lang="en-US" sz="3600" dirty="0" err="1" smtClean="0">
+                <a:solidFill>
+                  <a:srgbClr val="FF0000"/>
+                </a:solidFill>
+              </a:rPr>
+              <a:t>undecidable</a:t>
+            </a:r>
+            <a:endParaRPr lang="en-US" sz="3600" dirty="0">
+              <a:solidFill>
+                <a:srgbClr val="FF0000"/>
+              </a:solidFill>
+            </a:endParaRPr>
           </a:p>
         </p:txBody>
       </p:sp>
@@ -21028,13 +21104,258 @@
   <p:clrMapOvr>
     <a:masterClrMapping/>
   </p:clrMapOvr>
-  <p:transition xmlns:p14="http://schemas.microsoft.com/office/powerpoint/2010/main"/>
+  <p:transition xmlns:p14="http://schemas.microsoft.com/office/powerpoint/2010/main" spd="slow">
+    <p:fade/>
+  </p:transition>
   <p:timing>
     <p:tnLst>
       <p:par>
-        <p:cTn xmlns:p14="http://schemas.microsoft.com/office/powerpoint/2010/main" id="1" dur="indefinite" restart="never" nodeType="tmRoot"/>
+        <p:cTn xmlns:p14="http://schemas.microsoft.com/office/powerpoint/2010/main" id="1" dur="indefinite" restart="never" nodeType="tmRoot">
+          <p:childTnLst>
+            <p:seq concurrent="1" nextAc="seek">
+              <p:cTn id="2" dur="indefinite" nodeType="mainSeq">
+                <p:childTnLst>
+                  <p:par>
+                    <p:cTn id="3" fill="hold">
+                      <p:stCondLst>
+                        <p:cond delay="indefinite"/>
+                      </p:stCondLst>
+                      <p:childTnLst>
+                        <p:par>
+                          <p:cTn id="4" fill="hold">
+                            <p:stCondLst>
+                              <p:cond delay="0"/>
+                            </p:stCondLst>
+                            <p:childTnLst>
+                              <p:par>
+                                <p:cTn id="5" presetID="15" presetClass="entr" presetSubtype="0" fill="hold" grpId="0" nodeType="clickEffect">
+                                  <p:stCondLst>
+                                    <p:cond delay="0"/>
+                                  </p:stCondLst>
+                                  <p:childTnLst>
+                                    <p:set>
+                                      <p:cBhvr>
+                                        <p:cTn id="6" dur="1" fill="hold">
+                                          <p:stCondLst>
+                                            <p:cond delay="0"/>
+                                          </p:stCondLst>
+                                        </p:cTn>
+                                        <p:tgtEl>
+                                          <p:spTgt spid="121858"/>
+                                        </p:tgtEl>
+                                        <p:attrNameLst>
+                                          <p:attrName>style.visibility</p:attrName>
+                                        </p:attrNameLst>
+                                      </p:cBhvr>
+                                      <p:to>
+                                        <p:strVal val="visible"/>
+                                      </p:to>
+                                    </p:set>
+                                    <p:anim calcmode="lin" valueType="num">
+                                      <p:cBhvr>
+                                        <p:cTn id="7" dur="1000" fill="hold"/>
+                                        <p:tgtEl>
+                                          <p:spTgt spid="121858"/>
+                                        </p:tgtEl>
+                                        <p:attrNameLst>
+                                          <p:attrName>ppt_w</p:attrName>
+                                        </p:attrNameLst>
+                                      </p:cBhvr>
+                                      <p:tavLst>
+                                        <p:tav tm="0">
+                                          <p:val>
+                                            <p:fltVal val="0"/>
+                                          </p:val>
+                                        </p:tav>
+                                        <p:tav tm="100000">
+                                          <p:val>
+                                            <p:strVal val="#ppt_w"/>
+                                          </p:val>
+                                        </p:tav>
+                                      </p:tavLst>
+                                    </p:anim>
+                                    <p:anim calcmode="lin" valueType="num">
+                                      <p:cBhvr>
+                                        <p:cTn id="8" dur="1000" fill="hold"/>
+                                        <p:tgtEl>
+                                          <p:spTgt spid="121858"/>
+                                        </p:tgtEl>
+                                        <p:attrNameLst>
+                                          <p:attrName>ppt_h</p:attrName>
+                                        </p:attrNameLst>
+                                      </p:cBhvr>
+                                      <p:tavLst>
+                                        <p:tav tm="0">
+                                          <p:val>
+                                            <p:fltVal val="0"/>
+                                          </p:val>
+                                        </p:tav>
+                                        <p:tav tm="100000">
+                                          <p:val>
+                                            <p:strVal val="#ppt_h"/>
+                                          </p:val>
+                                        </p:tav>
+                                      </p:tavLst>
+                                    </p:anim>
+                                    <p:anim calcmode="lin" valueType="num">
+                                      <p:cBhvr>
+                                        <p:cTn id="9" dur="1000" fill="hold"/>
+                                        <p:tgtEl>
+                                          <p:spTgt spid="121858"/>
+                                        </p:tgtEl>
+                                        <p:attrNameLst>
+                                          <p:attrName>ppt_x</p:attrName>
+                                        </p:attrNameLst>
+                                      </p:cBhvr>
+                                      <p:tavLst>
+                                        <p:tav tm="0" fmla="#ppt_x+(cos(-2*pi*(1-$))*-#ppt_x-sin(-2*pi*(1-$))*(1-#ppt_y))*(1-$)">
+                                          <p:val>
+                                            <p:fltVal val="0"/>
+                                          </p:val>
+                                        </p:tav>
+                                        <p:tav tm="100000">
+                                          <p:val>
+                                            <p:fltVal val="1"/>
+                                          </p:val>
+                                        </p:tav>
+                                      </p:tavLst>
+                                    </p:anim>
+                                    <p:anim calcmode="lin" valueType="num">
+                                      <p:cBhvr>
+                                        <p:cTn id="10" dur="1000" fill="hold"/>
+                                        <p:tgtEl>
+                                          <p:spTgt spid="121858"/>
+                                        </p:tgtEl>
+                                        <p:attrNameLst>
+                                          <p:attrName>ppt_y</p:attrName>
+                                        </p:attrNameLst>
+                                      </p:cBhvr>
+                                      <p:tavLst>
+                                        <p:tav tm="0" fmla="#ppt_y+(sin(-2*pi*(1-$))*-#ppt_x+cos(-2*pi*(1-$))*(1-#ppt_y))*(1-$)">
+                                          <p:val>
+                                            <p:fltVal val="0"/>
+                                          </p:val>
+                                        </p:tav>
+                                        <p:tav tm="100000">
+                                          <p:val>
+                                            <p:fltVal val="1"/>
+                                          </p:val>
+                                        </p:tav>
+                                      </p:tavLst>
+                                    </p:anim>
+                                  </p:childTnLst>
+                                </p:cTn>
+                              </p:par>
+                            </p:childTnLst>
+                          </p:cTn>
+                        </p:par>
+                      </p:childTnLst>
+                    </p:cTn>
+                  </p:par>
+                  <p:par>
+                    <p:cTn id="11" fill="hold">
+                      <p:stCondLst>
+                        <p:cond delay="indefinite"/>
+                      </p:stCondLst>
+                      <p:childTnLst>
+                        <p:par>
+                          <p:cTn id="12" fill="hold">
+                            <p:stCondLst>
+                              <p:cond delay="0"/>
+                            </p:stCondLst>
+                            <p:childTnLst>
+                              <p:par>
+                                <p:cTn id="13" presetID="1" presetClass="entr" presetSubtype="0" fill="hold" nodeType="clickEffect">
+                                  <p:stCondLst>
+                                    <p:cond delay="0"/>
+                                  </p:stCondLst>
+                                  <p:childTnLst>
+                                    <p:set>
+                                      <p:cBhvr>
+                                        <p:cTn id="14" dur="1" fill="hold">
+                                          <p:stCondLst>
+                                            <p:cond delay="0"/>
+                                          </p:stCondLst>
+                                        </p:cTn>
+                                        <p:tgtEl>
+                                          <p:spTgt spid="121859">
+                                            <p:txEl>
+                                              <p:pRg st="3" end="3"/>
+                                            </p:txEl>
+                                          </p:spTgt>
+                                        </p:tgtEl>
+                                        <p:attrNameLst>
+                                          <p:attrName>style.visibility</p:attrName>
+                                        </p:attrNameLst>
+                                      </p:cBhvr>
+                                      <p:to>
+                                        <p:strVal val="visible"/>
+                                      </p:to>
+                                    </p:set>
+                                  </p:childTnLst>
+                                </p:cTn>
+                              </p:par>
+                              <p:par>
+                                <p:cTn id="15" presetID="1" presetClass="entr" presetSubtype="0" fill="hold" nodeType="withEffect">
+                                  <p:stCondLst>
+                                    <p:cond delay="0"/>
+                                  </p:stCondLst>
+                                  <p:childTnLst>
+                                    <p:set>
+                                      <p:cBhvr>
+                                        <p:cTn id="16" dur="1" fill="hold">
+                                          <p:stCondLst>
+                                            <p:cond delay="0"/>
+                                          </p:stCondLst>
+                                        </p:cTn>
+                                        <p:tgtEl>
+                                          <p:spTgt spid="121859">
+                                            <p:txEl>
+                                              <p:pRg st="4" end="4"/>
+                                            </p:txEl>
+                                          </p:spTgt>
+                                        </p:tgtEl>
+                                        <p:attrNameLst>
+                                          <p:attrName>style.visibility</p:attrName>
+                                        </p:attrNameLst>
+                                      </p:cBhvr>
+                                      <p:to>
+                                        <p:strVal val="visible"/>
+                                      </p:to>
+                                    </p:set>
+                                  </p:childTnLst>
+                                </p:cTn>
+                              </p:par>
+                            </p:childTnLst>
+                          </p:cTn>
+                        </p:par>
+                      </p:childTnLst>
+                    </p:cTn>
+                  </p:par>
+                </p:childTnLst>
+              </p:cTn>
+              <p:prevCondLst>
+                <p:cond evt="onPrev" delay="0">
+                  <p:tgtEl>
+                    <p:sldTgt/>
+                  </p:tgtEl>
+                </p:cond>
+              </p:prevCondLst>
+              <p:nextCondLst>
+                <p:cond evt="onNext" delay="0">
+                  <p:tgtEl>
+                    <p:sldTgt/>
+                  </p:tgtEl>
+                </p:cond>
+              </p:nextCondLst>
+            </p:seq>
+          </p:childTnLst>
+        </p:cTn>
       </p:par>
     </p:tnLst>
+    <p:bldLst>
+      <p:bldP spid="121858" grpId="0"/>
+    </p:bldLst>
   </p:timing>
 </p:sld>
 </file>
@@ -21575,23 +21896,7 @@
             </a:r>
             <a:r>
               <a:rPr lang="en-US" sz="4000" dirty="0" smtClean="0"/>
-              <a:t>.  But </a:t>
-            </a:r>
-            <a:r>
-              <a:rPr lang="en-US" sz="4000" dirty="0" smtClean="0"/>
-              <a:t>they are </a:t>
-            </a:r>
-            <a:r>
-              <a:rPr lang="en-US" sz="4000" dirty="0" smtClean="0"/>
-              <a:t>i</a:t>
-            </a:r>
-            <a:r>
-              <a:rPr lang="en-US" sz="4000" dirty="0" smtClean="0"/>
-              <a:t>nteresting </a:t>
-            </a:r>
-            <a:r>
-              <a:rPr lang="en-US" sz="4000" dirty="0" smtClean="0"/>
-              <a:t>to think about.</a:t>
+              <a:t>.  But they are interesting to think about.</a:t>
             </a:r>
             <a:endParaRPr lang="en-US" sz="2800" dirty="0"/>
           </a:p>
@@ -21602,7 +21907,18 @@
   <p:clrMapOvr>
     <a:masterClrMapping/>
   </p:clrMapOvr>
-  <p:transition xmlns:p14="http://schemas.microsoft.com/office/powerpoint/2010/main"/>
+  <mc:AlternateContent xmlns:mc="http://schemas.openxmlformats.org/markup-compatibility/2006" xmlns:p14="http://schemas.microsoft.com/office/powerpoint/2010/main">
+    <mc:Choice Requires="p14">
+      <p:transition spd="med" p14:dur="700">
+        <p:fade/>
+      </p:transition>
+    </mc:Choice>
+    <mc:Fallback xmlns="">
+      <p:transition xmlns:p14="http://schemas.microsoft.com/office/powerpoint/2010/main" spd="med">
+        <p:fade/>
+      </p:transition>
+    </mc:Fallback>
+  </mc:AlternateContent>
   <p:timing>
     <p:tnLst>
       <p:par>
@@ -21693,13 +22009,13 @@
               <a:buNone/>
             </a:pPr>
             <a:r>
-              <a:rPr lang="en-US" sz="11500" dirty="0" smtClean="0">
+              <a:rPr lang="en-US" sz="11500" smtClean="0">
                 <a:sym typeface="Euclid Symbol"/>
               </a:rPr>
               <a:t>1</a:t>
             </a:r>
             <a:r>
-              <a:rPr lang="en-US" sz="11500" dirty="0" smtClean="0">
+              <a:rPr lang="en-US" sz="11500" smtClean="0">
                 <a:latin typeface="Comic Sans MS"/>
                 <a:ea typeface="ＭＳ ゴシック"/>
                 <a:cs typeface="Comic Sans MS"/>
@@ -21708,10 +22024,10 @@
               <a:t>−</a:t>
             </a:r>
             <a:r>
-              <a:rPr lang="en-US" sz="11500" dirty="0" smtClean="0">
+              <a:rPr lang="en-US" sz="11500" dirty="0">
                 <a:sym typeface="Euclid Symbol"/>
               </a:rPr>
-              <a:t>5</a:t>
+              <a:t>4</a:t>
             </a:r>
             <a:endParaRPr lang="en-US" sz="12700" dirty="0" smtClean="0"/>
           </a:p>
@@ -22271,8 +22587,8 @@
         </p:nvSpPr>
         <p:spPr>
           <a:xfrm>
-            <a:off x="415428" y="4518210"/>
-            <a:ext cx="8270843" cy="1498473"/>
+            <a:off x="352324" y="4464851"/>
+            <a:ext cx="8482076" cy="1446550"/>
           </a:xfrm>
           <a:prstGeom prst="rect">
             <a:avLst/>
@@ -22340,7 +22656,7 @@
                 <a:latin typeface="Comic Sans MS" pitchFamily="66" charset="0"/>
                 <a:sym typeface="Euclid Symbol"/>
               </a:rPr>
-              <a:t>Gabe</a:t>
+              <a:t>Peter</a:t>
             </a:r>
             <a:r>
               <a:rPr lang="en-US" sz="4400" dirty="0" smtClean="0">
@@ -22375,81 +22691,71 @@
               <a:t>P(</a:t>
             </a:r>
             <a:r>
-              <a:rPr lang="en-US" sz="4400" dirty="0" err="1">
+              <a:rPr lang="en-US" sz="4400" dirty="0" err="1" smtClean="0">
                 <a:solidFill>
                   <a:srgbClr val="0000FF"/>
                 </a:solidFill>
                 <a:latin typeface="Comic Sans MS" pitchFamily="66" charset="0"/>
                 <a:sym typeface="Euclid Symbol"/>
               </a:rPr>
-              <a:t>S</a:t>
-            </a:r>
-            <a:r>
-              <a:rPr lang="en-US" sz="4400" dirty="0" err="1" smtClean="0">
+              <a:t>Keshav</a:t>
+            </a:r>
+            <a:r>
+              <a:rPr lang="en-US" sz="4400" dirty="0" smtClean="0">
+                <a:solidFill>
+                  <a:srgbClr val="000000"/>
+                </a:solidFill>
+                <a:latin typeface="Comic Sans MS" pitchFamily="66" charset="0"/>
+                <a:sym typeface="Euclid Symbol"/>
+              </a:rPr>
+              <a:t>) </a:t>
+            </a:r>
+            <a:r>
+              <a:rPr lang="en-US" sz="3600" dirty="0" smtClean="0">
+                <a:solidFill>
+                  <a:srgbClr val="008000"/>
+                </a:solidFill>
+                <a:latin typeface="Comic Sans MS" pitchFamily="66" charset="0"/>
+                <a:sym typeface="Euclid Symbol"/>
+              </a:rPr>
+              <a:t>AND</a:t>
+            </a:r>
+            <a:r>
+              <a:rPr lang="en-US" sz="4400" dirty="0" smtClean="0">
+                <a:solidFill>
+                  <a:srgbClr val="000000"/>
+                </a:solidFill>
+                <a:latin typeface="Comic Sans MS" pitchFamily="66" charset="0"/>
+                <a:sym typeface="Euclid Symbol"/>
+              </a:rPr>
+              <a:t>…</a:t>
+            </a:r>
+            <a:r>
+              <a:rPr lang="en-US" sz="3600" dirty="0" smtClean="0">
+                <a:solidFill>
+                  <a:srgbClr val="008000"/>
+                </a:solidFill>
+                <a:latin typeface="Comic Sans MS" pitchFamily="66" charset="0"/>
+                <a:sym typeface="Euclid Symbol"/>
+              </a:rPr>
+              <a:t>AND </a:t>
+            </a:r>
+            <a:r>
+              <a:rPr lang="en-US" sz="4400" dirty="0" smtClean="0">
+                <a:latin typeface="Comic Sans MS" pitchFamily="66" charset="0"/>
+                <a:sym typeface="Euclid Symbol"/>
+              </a:rPr>
+              <a:t>P(</a:t>
+            </a:r>
+            <a:r>
+              <a:rPr lang="en-US" sz="4400" dirty="0" smtClean="0">
                 <a:solidFill>
                   <a:srgbClr val="0000FF"/>
                 </a:solidFill>
                 <a:latin typeface="Comic Sans MS" pitchFamily="66" charset="0"/>
                 <a:sym typeface="Euclid Symbol"/>
               </a:rPr>
-              <a:t>hini</a:t>
-            </a:r>
-            <a:r>
-              <a:rPr lang="en-US" sz="4400" dirty="0" smtClean="0">
-                <a:solidFill>
-                  <a:srgbClr val="000000"/>
-                </a:solidFill>
-                <a:latin typeface="Comic Sans MS" pitchFamily="66" charset="0"/>
-                <a:sym typeface="Euclid Symbol"/>
-              </a:rPr>
-              <a:t>) </a:t>
-            </a:r>
-            <a:r>
-              <a:rPr lang="en-US" sz="3600" dirty="0" smtClean="0">
-                <a:solidFill>
-                  <a:srgbClr val="008000"/>
-                </a:solidFill>
-                <a:latin typeface="Comic Sans MS" pitchFamily="66" charset="0"/>
-                <a:sym typeface="Euclid Symbol"/>
-              </a:rPr>
-              <a:t>AND</a:t>
-            </a:r>
-            <a:r>
-              <a:rPr lang="en-US" sz="4400" dirty="0" smtClean="0">
-                <a:solidFill>
-                  <a:srgbClr val="000000"/>
-                </a:solidFill>
-                <a:latin typeface="Comic Sans MS" pitchFamily="66" charset="0"/>
-                <a:sym typeface="Euclid Symbol"/>
-              </a:rPr>
-              <a:t>…</a:t>
-            </a:r>
-            <a:r>
-              <a:rPr lang="en-US" sz="3600" dirty="0" smtClean="0">
-                <a:solidFill>
-                  <a:srgbClr val="008000"/>
-                </a:solidFill>
-                <a:latin typeface="Comic Sans MS" pitchFamily="66" charset="0"/>
-                <a:sym typeface="Euclid Symbol"/>
-              </a:rPr>
-              <a:t>AND </a:t>
-            </a:r>
-            <a:r>
-              <a:rPr lang="en-US" sz="4400" dirty="0" smtClean="0">
-                <a:latin typeface="Comic Sans MS" pitchFamily="66" charset="0"/>
-                <a:sym typeface="Euclid Symbol"/>
-              </a:rPr>
-              <a:t>P(</a:t>
-            </a:r>
-            <a:r>
-              <a:rPr lang="en-US" sz="4400" dirty="0" smtClean="0">
-                <a:solidFill>
-                  <a:srgbClr val="0000FF"/>
-                </a:solidFill>
-                <a:latin typeface="Comic Sans MS" pitchFamily="66" charset="0"/>
-                <a:sym typeface="Euclid Symbol"/>
-              </a:rPr>
-              <a:t>Igor</a:t>
+              <a:t>Michaela</a:t>
             </a:r>
             <a:r>
               <a:rPr lang="en-US" sz="4400" dirty="0" smtClean="0">
@@ -22467,6 +22773,18 @@
   <p:clrMapOvr>
     <a:masterClrMapping/>
   </p:clrMapOvr>
+  <mc:AlternateContent xmlns:mc="http://schemas.openxmlformats.org/markup-compatibility/2006" xmlns:p14="http://schemas.microsoft.com/office/powerpoint/2010/main">
+    <mc:Choice Requires="p14">
+      <p:transition spd="med" p14:dur="700">
+        <p:fade/>
+      </p:transition>
+    </mc:Choice>
+    <mc:Fallback xmlns="">
+      <p:transition xmlns:p14="http://schemas.microsoft.com/office/powerpoint/2010/main" spd="med">
+        <p:fade/>
+      </p:transition>
+    </mc:Fallback>
+  </mc:AlternateContent>
   <p:timing>
     <p:tnLst>
       <p:par>
@@ -23042,8 +23360,8 @@
         </p:nvSpPr>
         <p:spPr>
           <a:xfrm>
-            <a:off x="537671" y="4403585"/>
-            <a:ext cx="8083714" cy="1569660"/>
+            <a:off x="340470" y="4378076"/>
+            <a:ext cx="8493927" cy="1569660"/>
           </a:xfrm>
           <a:prstGeom prst="rect">
             <a:avLst/>
@@ -23110,7 +23428,7 @@
                 </a:solidFill>
                 <a:latin typeface="Comic Sans MS" pitchFamily="66" charset="0"/>
               </a:rPr>
-              <a:t>Gabe</a:t>
+              <a:t>Peter</a:t>
             </a:r>
             <a:r>
               <a:rPr lang="en-US" sz="4800" dirty="0" smtClean="0">
@@ -23152,7 +23470,7 @@
                 <a:latin typeface="Comic Sans MS" pitchFamily="66" charset="0"/>
                 <a:sym typeface="Euclid Symbol"/>
               </a:rPr>
-              <a:t>Shini</a:t>
+              <a:t>Keshav</a:t>
             </a:r>
             <a:r>
               <a:rPr lang="en-US" sz="4800" dirty="0" smtClean="0">
@@ -23192,7 +23510,7 @@
                 <a:latin typeface="Comic Sans MS" pitchFamily="66" charset="0"/>
                 <a:sym typeface="Euclid Symbol"/>
               </a:rPr>
-              <a:t>Igor</a:t>
+              <a:t>Michaela</a:t>
             </a:r>
             <a:r>
               <a:rPr lang="en-US" sz="4800" dirty="0" smtClean="0">
@@ -24988,7 +25306,7 @@
           <a:graphicData uri="http://schemas.openxmlformats.org/presentationml/2006/ole">
             <mc:AlternateContent xmlns:mc="http://schemas.openxmlformats.org/markup-compatibility/2006">
               <mc:Choice xmlns:v="urn:schemas-microsoft-com:vml" Requires="v">
-                <p:oleObj spid="_x0000_s526362" name="Equation" r:id="rId4" imgW="1815840" imgH="457200" progId="Equation.DSMT4">
+                <p:oleObj spid="_x0000_s526367" name="Equation" r:id="rId4" imgW="1815840" imgH="457200" progId="Equation.DSMT4">
                   <p:embed/>
                 </p:oleObj>
               </mc:Choice>
